--- a/110061519_labB_report.pptx
+++ b/110061519_labB_report.pptx
@@ -36,23 +36,22 @@
     <p:sldId id="331" r:id="rId30"/>
     <p:sldId id="332" r:id="rId31"/>
     <p:sldId id="333" r:id="rId32"/>
-    <p:sldId id="334" r:id="rId33"/>
-    <p:sldId id="335" r:id="rId34"/>
-    <p:sldId id="336" r:id="rId35"/>
-    <p:sldId id="337" r:id="rId36"/>
-    <p:sldId id="338" r:id="rId37"/>
-    <p:sldId id="265" r:id="rId38"/>
-    <p:sldId id="298" r:id="rId39"/>
-    <p:sldId id="307" r:id="rId40"/>
-    <p:sldId id="308" r:id="rId41"/>
-    <p:sldId id="339" r:id="rId42"/>
-    <p:sldId id="340" r:id="rId43"/>
-    <p:sldId id="341" r:id="rId44"/>
-    <p:sldId id="342" r:id="rId45"/>
-    <p:sldId id="343" r:id="rId46"/>
-    <p:sldId id="304" r:id="rId47"/>
-    <p:sldId id="305" r:id="rId48"/>
-    <p:sldId id="299" r:id="rId49"/>
+    <p:sldId id="335" r:id="rId33"/>
+    <p:sldId id="336" r:id="rId34"/>
+    <p:sldId id="337" r:id="rId35"/>
+    <p:sldId id="338" r:id="rId36"/>
+    <p:sldId id="265" r:id="rId37"/>
+    <p:sldId id="298" r:id="rId38"/>
+    <p:sldId id="307" r:id="rId39"/>
+    <p:sldId id="308" r:id="rId40"/>
+    <p:sldId id="339" r:id="rId41"/>
+    <p:sldId id="340" r:id="rId42"/>
+    <p:sldId id="341" r:id="rId43"/>
+    <p:sldId id="342" r:id="rId44"/>
+    <p:sldId id="343" r:id="rId45"/>
+    <p:sldId id="304" r:id="rId46"/>
+    <p:sldId id="305" r:id="rId47"/>
+    <p:sldId id="299" r:id="rId48"/>
   </p:sldIdLst>
   <p:sldSz cx="12192000" cy="6858000"/>
   <p:notesSz cx="6858000" cy="9144000"/>
@@ -2661,7 +2660,7 @@
             <a:fld id="{87DE6118-2437-4B30-8E3C-4D2BE6020583}" type="datetimeFigureOut">
               <a:rPr lang="en-US" dirty="0"/>
               <a:pPr/>
-              <a:t>4/2/2023</a:t>
+              <a:t>4/12/2023</a:t>
             </a:fld>
             <a:endParaRPr lang="en-US" dirty="0"/>
           </a:p>
@@ -2987,7 +2986,7 @@
           <a:p>
             <a:fld id="{87DE6118-2437-4B30-8E3C-4D2BE6020583}" type="datetimeFigureOut">
               <a:rPr lang="en-US" dirty="0"/>
-              <a:t>4/2/2023</a:t>
+              <a:t>4/12/2023</a:t>
             </a:fld>
             <a:endParaRPr lang="en-US" dirty="0"/>
           </a:p>
@@ -3162,7 +3161,7 @@
           <a:p>
             <a:fld id="{87DE6118-2437-4B30-8E3C-4D2BE6020583}" type="datetimeFigureOut">
               <a:rPr lang="en-US" dirty="0"/>
-              <a:t>4/2/2023</a:t>
+              <a:t>4/12/2023</a:t>
             </a:fld>
             <a:endParaRPr lang="en-US" dirty="0"/>
           </a:p>
@@ -3327,7 +3326,7 @@
           <a:p>
             <a:fld id="{87DE6118-2437-4B30-8E3C-4D2BE6020583}" type="datetimeFigureOut">
               <a:rPr lang="en-US" dirty="0"/>
-              <a:t>4/2/2023</a:t>
+              <a:t>4/12/2023</a:t>
             </a:fld>
             <a:endParaRPr lang="en-US" dirty="0"/>
           </a:p>
@@ -3595,7 +3594,7 @@
             <a:fld id="{87DE6118-2437-4B30-8E3C-4D2BE6020583}" type="datetimeFigureOut">
               <a:rPr lang="en-US" dirty="0"/>
               <a:pPr/>
-              <a:t>4/2/2023</a:t>
+              <a:t>4/12/2023</a:t>
             </a:fld>
             <a:endParaRPr lang="en-US" dirty="0"/>
           </a:p>
@@ -3985,7 +3984,7 @@
           <a:p>
             <a:fld id="{87DE6118-2437-4B30-8E3C-4D2BE6020583}" type="datetimeFigureOut">
               <a:rPr lang="en-US" dirty="0"/>
-              <a:t>4/2/2023</a:t>
+              <a:t>4/12/2023</a:t>
             </a:fld>
             <a:endParaRPr lang="en-US" dirty="0"/>
           </a:p>
@@ -4457,7 +4456,7 @@
           <a:p>
             <a:fld id="{87DE6118-2437-4B30-8E3C-4D2BE6020583}" type="datetimeFigureOut">
               <a:rPr lang="en-US" dirty="0"/>
-              <a:t>4/2/2023</a:t>
+              <a:t>4/12/2023</a:t>
             </a:fld>
             <a:endParaRPr lang="en-US" dirty="0"/>
           </a:p>
@@ -4570,7 +4569,7 @@
           <a:p>
             <a:fld id="{87DE6118-2437-4B30-8E3C-4D2BE6020583}" type="datetimeFigureOut">
               <a:rPr lang="en-US" dirty="0"/>
-              <a:t>4/2/2023</a:t>
+              <a:t>4/12/2023</a:t>
             </a:fld>
             <a:endParaRPr lang="en-US" dirty="0"/>
           </a:p>
@@ -4660,7 +4659,7 @@
           <a:p>
             <a:fld id="{87DE6118-2437-4B30-8E3C-4D2BE6020583}" type="datetimeFigureOut">
               <a:rPr lang="en-US" dirty="0"/>
-              <a:t>4/2/2023</a:t>
+              <a:t>4/12/2023</a:t>
             </a:fld>
             <a:endParaRPr lang="en-US" dirty="0"/>
           </a:p>
@@ -5002,7 +5001,7 @@
             <a:fld id="{87DE6118-2437-4B30-8E3C-4D2BE6020583}" type="datetimeFigureOut">
               <a:rPr lang="en-US" dirty="0"/>
               <a:pPr/>
-              <a:t>4/2/2023</a:t>
+              <a:t>4/12/2023</a:t>
             </a:fld>
             <a:endParaRPr lang="en-US" dirty="0"/>
           </a:p>
@@ -5387,7 +5386,7 @@
             <a:fld id="{87DE6118-2437-4B30-8E3C-4D2BE6020583}" type="datetimeFigureOut">
               <a:rPr lang="en-US" dirty="0"/>
               <a:pPr/>
-              <a:t>4/2/2023</a:t>
+              <a:t>4/12/2023</a:t>
             </a:fld>
             <a:endParaRPr lang="en-US" dirty="0"/>
           </a:p>
@@ -5659,7 +5658,7 @@
             <a:fld id="{87DE6118-2437-4B30-8E3C-4D2BE6020583}" type="datetimeFigureOut">
               <a:rPr lang="en-US" dirty="0"/>
               <a:pPr/>
-              <a:t>4/2/2023</a:t>
+              <a:t>4/12/2023</a:t>
             </a:fld>
             <a:endParaRPr lang="en-US" dirty="0"/>
           </a:p>
@@ -7019,8 +7018,8 @@
           </a:p>
         </p:txBody>
       </p:sp>
-      <mc:AlternateContent xmlns:mc="http://schemas.openxmlformats.org/markup-compatibility/2006">
-        <mc:Choice xmlns:a14="http://schemas.microsoft.com/office/drawing/2010/main" Requires="a14">
+      <mc:AlternateContent xmlns:mc="http://schemas.openxmlformats.org/markup-compatibility/2006" xmlns:a14="http://schemas.microsoft.com/office/drawing/2010/main">
+        <mc:Choice Requires="a14">
           <p:sp>
             <p:nvSpPr>
               <p:cNvPr id="11" name="文字方塊 10">
@@ -7108,7 +7107,7 @@
             </p:txBody>
           </p:sp>
         </mc:Choice>
-        <mc:Fallback>
+        <mc:Fallback xmlns="">
           <p:sp>
             <p:nvSpPr>
               <p:cNvPr id="11" name="文字方塊 10">
@@ -7153,8 +7152,8 @@
           </p:sp>
         </mc:Fallback>
       </mc:AlternateContent>
-      <mc:AlternateContent xmlns:mc="http://schemas.openxmlformats.org/markup-compatibility/2006">
-        <mc:Choice xmlns:a14="http://schemas.microsoft.com/office/drawing/2010/main" Requires="a14">
+      <mc:AlternateContent xmlns:mc="http://schemas.openxmlformats.org/markup-compatibility/2006" xmlns:a14="http://schemas.microsoft.com/office/drawing/2010/main">
+        <mc:Choice Requires="a14">
           <p:sp>
             <p:nvSpPr>
               <p:cNvPr id="13" name="文字方塊 12">
@@ -7242,7 +7241,7 @@
             </p:txBody>
           </p:sp>
         </mc:Choice>
-        <mc:Fallback>
+        <mc:Fallback xmlns="">
           <p:sp>
             <p:nvSpPr>
               <p:cNvPr id="13" name="文字方塊 12">
@@ -12239,8 +12238,8 @@
           </a:prstGeom>
         </p:spPr>
       </p:pic>
-      <mc:AlternateContent xmlns:mc="http://schemas.openxmlformats.org/markup-compatibility/2006">
-        <mc:Choice xmlns:a14="http://schemas.microsoft.com/office/drawing/2010/main" Requires="a14">
+      <mc:AlternateContent xmlns:mc="http://schemas.openxmlformats.org/markup-compatibility/2006" xmlns:a14="http://schemas.microsoft.com/office/drawing/2010/main">
+        <mc:Choice Requires="a14">
           <p:graphicFrame>
             <p:nvGraphicFramePr>
               <p:cNvPr id="7" name="表格 7">
@@ -12460,7 +12459,7 @@
             </a:graphic>
           </p:graphicFrame>
         </mc:Choice>
-        <mc:Fallback>
+        <mc:Fallback xmlns="">
           <p:graphicFrame>
             <p:nvGraphicFramePr>
               <p:cNvPr id="7" name="表格 7">
@@ -12646,7 +12645,7 @@
           <p:cNvPr id="2" name="標題 1">
             <a:extLst>
               <a:ext uri="{FF2B5EF4-FFF2-40B4-BE49-F238E27FC236}">
-                <a16:creationId xmlns:a16="http://schemas.microsoft.com/office/drawing/2014/main" id="{091E256F-9AA1-A985-8EA1-70664E7699CE}"/>
+                <a16:creationId xmlns:a16="http://schemas.microsoft.com/office/drawing/2014/main" id="{6AD333AD-95C4-E06C-3D00-F79FD669C337}"/>
               </a:ext>
             </a:extLst>
           </p:cNvPr>
@@ -12672,10 +12671,10 @@
       </p:sp>
       <p:sp>
         <p:nvSpPr>
-          <p:cNvPr id="4" name="內容版面配置區 3">
-            <a:extLst>
-              <a:ext uri="{FF2B5EF4-FFF2-40B4-BE49-F238E27FC236}">
-                <a16:creationId xmlns:a16="http://schemas.microsoft.com/office/drawing/2014/main" id="{1CA31788-E0C3-8DD4-8F86-230E75FECB66}"/>
+          <p:cNvPr id="3" name="文字版面配置區 2">
+            <a:extLst>
+              <a:ext uri="{FF2B5EF4-FFF2-40B4-BE49-F238E27FC236}">
+                <a16:creationId xmlns:a16="http://schemas.microsoft.com/office/drawing/2014/main" id="{E44D557E-A7CD-E6CB-5238-8EC9753E1002}"/>
               </a:ext>
             </a:extLst>
           </p:cNvPr>
@@ -12683,36 +12682,103 @@
             <a:spLocks noGrp="1"/>
           </p:cNvSpPr>
           <p:nvPr>
-            <p:ph sz="half" idx="1"/>
+            <p:ph type="body" idx="1"/>
           </p:nvPr>
         </p:nvSpPr>
-        <p:spPr/>
+        <p:spPr>
+          <a:xfrm>
+            <a:off x="1371600" y="1515240"/>
+            <a:ext cx="4443984" cy="823912"/>
+          </a:xfrm>
+        </p:spPr>
+        <p:txBody>
+          <a:bodyPr/>
+          <a:lstStyle/>
+          <a:p>
+            <a:r>
+              <a:rPr lang="en-US" altLang="zh-TW" dirty="0"/>
+              <a:t>original</a:t>
+            </a:r>
+            <a:endParaRPr lang="zh-TW" altLang="en-US" dirty="0"/>
+          </a:p>
+        </p:txBody>
+      </p:sp>
+      <p:sp>
+        <p:nvSpPr>
+          <p:cNvPr id="4" name="內容版面配置區 3">
+            <a:extLst>
+              <a:ext uri="{FF2B5EF4-FFF2-40B4-BE49-F238E27FC236}">
+                <a16:creationId xmlns:a16="http://schemas.microsoft.com/office/drawing/2014/main" id="{78091E82-8F31-4CB6-AE22-0696788BA704}"/>
+              </a:ext>
+            </a:extLst>
+          </p:cNvPr>
+          <p:cNvSpPr>
+            <a:spLocks noGrp="1"/>
+          </p:cNvSpPr>
+          <p:nvPr>
+            <p:ph sz="half" idx="2"/>
+          </p:nvPr>
+        </p:nvSpPr>
+        <p:spPr>
+          <a:xfrm>
+            <a:off x="1626092" y="5867400"/>
+            <a:ext cx="9506505" cy="754602"/>
+          </a:xfrm>
+        </p:spPr>
         <p:txBody>
           <a:bodyPr>
-            <a:normAutofit/>
+            <a:normAutofit lnSpcReduction="10000"/>
           </a:bodyPr>
           <a:lstStyle/>
           <a:p>
             <a:r>
               <a:rPr lang="en-US" altLang="zh-TW" sz="2400" dirty="0"/>
-              <a:t>The best architecture of mine is the one with smallest interval, that is the result with dataflow in the previous question.</a:t>
-            </a:r>
-          </a:p>
-          <a:p>
-            <a:r>
-              <a:rPr lang="en-US" altLang="zh-TW" sz="2400" dirty="0"/>
-              <a:t>Throughput </a:t>
+              <a:t>We can see that the throughput increases a lot, but the resource utilization also increases about 10 times of the original usage.</a:t>
             </a:r>
             <a:endParaRPr lang="zh-TW" altLang="en-US" sz="2400" dirty="0"/>
+          </a:p>
+        </p:txBody>
+      </p:sp>
+      <p:sp>
+        <p:nvSpPr>
+          <p:cNvPr id="5" name="文字版面配置區 4">
+            <a:extLst>
+              <a:ext uri="{FF2B5EF4-FFF2-40B4-BE49-F238E27FC236}">
+                <a16:creationId xmlns:a16="http://schemas.microsoft.com/office/drawing/2014/main" id="{17D4AE7E-5E96-0EBE-0977-D40B219C63BA}"/>
+              </a:ext>
+            </a:extLst>
+          </p:cNvPr>
+          <p:cNvSpPr>
+            <a:spLocks noGrp="1"/>
+          </p:cNvSpPr>
+          <p:nvPr>
+            <p:ph type="body" sz="quarter" idx="3"/>
+          </p:nvPr>
+        </p:nvSpPr>
+        <p:spPr>
+          <a:xfrm>
+            <a:off x="6525014" y="1515240"/>
+            <a:ext cx="4443984" cy="823912"/>
+          </a:xfrm>
+        </p:spPr>
+        <p:txBody>
+          <a:bodyPr/>
+          <a:lstStyle/>
+          <a:p>
+            <a:r>
+              <a:rPr lang="en-US" altLang="zh-TW" dirty="0"/>
+              <a:t>last</a:t>
+            </a:r>
+            <a:endParaRPr lang="zh-TW" altLang="en-US" dirty="0"/>
           </a:p>
         </p:txBody>
       </p:sp>
       <p:pic>
         <p:nvPicPr>
-          <p:cNvPr id="6" name="內容版面配置區 5">
-            <a:extLst>
-              <a:ext uri="{FF2B5EF4-FFF2-40B4-BE49-F238E27FC236}">
-                <a16:creationId xmlns:a16="http://schemas.microsoft.com/office/drawing/2014/main" id="{7A828B06-AF68-E261-52DF-F9987F8A7B3E}"/>
+          <p:cNvPr id="7" name="內容版面配置區 6">
+            <a:extLst>
+              <a:ext uri="{FF2B5EF4-FFF2-40B4-BE49-F238E27FC236}">
+                <a16:creationId xmlns:a16="http://schemas.microsoft.com/office/drawing/2014/main" id="{450EAFD4-F52F-8F73-422F-32C72259F8F5}"/>
               </a:ext>
             </a:extLst>
           </p:cNvPr>
@@ -12720,7 +12786,7 @@
             <a:picLocks noGrp="1" noChangeAspect="1"/>
           </p:cNvPicPr>
           <p:nvPr>
-            <p:ph sz="half" idx="2"/>
+            <p:ph sz="quarter" idx="4"/>
           </p:nvPr>
         </p:nvPicPr>
         <p:blipFill>
@@ -12731,378 +12797,48 @@
         </p:blipFill>
         <p:spPr>
           <a:xfrm>
-            <a:off x="6716377" y="1737166"/>
-            <a:ext cx="4860104" cy="4760549"/>
+            <a:off x="6620528" y="2430404"/>
+            <a:ext cx="5326613" cy="3047501"/>
           </a:xfrm>
           <a:prstGeom prst="rect">
             <a:avLst/>
           </a:prstGeom>
         </p:spPr>
       </p:pic>
-      <mc:AlternateContent xmlns:mc="http://schemas.openxmlformats.org/markup-compatibility/2006">
-        <mc:Choice xmlns:a14="http://schemas.microsoft.com/office/drawing/2010/main" Requires="a14">
-          <p:graphicFrame>
-            <p:nvGraphicFramePr>
-              <p:cNvPr id="7" name="表格 7">
-                <a:extLst>
-                  <a:ext uri="{FF2B5EF4-FFF2-40B4-BE49-F238E27FC236}">
-                    <a16:creationId xmlns:a16="http://schemas.microsoft.com/office/drawing/2014/main" id="{5108F61F-346F-A9CD-AFF8-6CF863E57F7E}"/>
-                  </a:ext>
-                </a:extLst>
-              </p:cNvPr>
-              <p:cNvGraphicFramePr>
-                <a:graphicFrameLocks noGrp="1"/>
-              </p:cNvGraphicFramePr>
-              <p:nvPr/>
-            </p:nvGraphicFramePr>
-            <p:xfrm>
-              <a:off x="1632505" y="4927106"/>
-              <a:ext cx="4740112" cy="1446150"/>
-            </p:xfrm>
-            <a:graphic>
-              <a:graphicData uri="http://schemas.openxmlformats.org/drawingml/2006/table">
-                <a:tbl>
-                  <a:tblPr>
-                    <a:tableStyleId>{5C22544A-7EE6-4342-B048-85BDC9FD1C3A}</a:tableStyleId>
-                  </a:tblPr>
-                  <a:tblGrid>
-                    <a:gridCol w="1492435">
-                      <a:extLst>
-                        <a:ext uri="{9D8B030D-6E8A-4147-A177-3AD203B41FA5}">
-                          <a16:colId xmlns:a16="http://schemas.microsoft.com/office/drawing/2014/main" val="1332912682"/>
-                        </a:ext>
-                      </a:extLst>
-                    </a:gridCol>
-                    <a:gridCol w="3247677">
-                      <a:extLst>
-                        <a:ext uri="{9D8B030D-6E8A-4147-A177-3AD203B41FA5}">
-                          <a16:colId xmlns:a16="http://schemas.microsoft.com/office/drawing/2014/main" val="3163113459"/>
-                        </a:ext>
-                      </a:extLst>
-                    </a:gridCol>
-                  </a:tblGrid>
-                  <a:tr h="525735">
-                    <a:tc>
-                      <a:txBody>
-                        <a:bodyPr/>
-                        <a:lstStyle/>
-                        <a:p>
-                          <a:pPr marL="304800" algn="ctr"/>
-                          <a:r>
-                            <a:rPr lang="en-US" sz="2400" kern="100" dirty="0">
-                              <a:effectLst/>
-                              <a:latin typeface="Calibri" panose="020F0502020204030204" pitchFamily="34" charset="0"/>
-                              <a:ea typeface="新細明體" panose="02020500000000000000" pitchFamily="18" charset="-120"/>
-                              <a:cs typeface="Times New Roman" panose="02020603050405020304" pitchFamily="18" charset="0"/>
-                            </a:rPr>
-                            <a:t>original</a:t>
-                          </a:r>
-                          <a:endParaRPr lang="zh-TW" sz="2400" kern="100" dirty="0">
-                            <a:effectLst/>
-                            <a:latin typeface="Calibri" panose="020F0502020204030204" pitchFamily="34" charset="0"/>
-                            <a:ea typeface="新細明體" panose="02020500000000000000" pitchFamily="18" charset="-120"/>
-                            <a:cs typeface="Times New Roman" panose="02020603050405020304" pitchFamily="18" charset="0"/>
-                          </a:endParaRPr>
-                        </a:p>
-                      </a:txBody>
-                      <a:tcPr marL="68580" marR="68580" marT="0" marB="0"/>
-                    </a:tc>
-                    <a:tc>
-                      <a:txBody>
-                        <a:bodyPr/>
-                        <a:lstStyle/>
-                        <a:p>
-                          <a:pPr marL="304800"/>
-                          <a14:m>
-                            <m:oMathPara xmlns:m="http://schemas.openxmlformats.org/officeDocument/2006/math">
-                              <m:oMathParaPr>
-                                <m:jc m:val="centerGroup"/>
-                              </m:oMathParaPr>
-                              <m:oMath xmlns:m="http://schemas.openxmlformats.org/officeDocument/2006/math">
-                                <m:r>
-                                  <a:rPr lang="en-US" sz="2400" i="1" kern="100">
-                                    <a:effectLst/>
-                                    <a:latin typeface="Cambria Math" panose="02040503050406030204" pitchFamily="18" charset="0"/>
-                                    <a:ea typeface="新細明體" panose="02020500000000000000" pitchFamily="18" charset="-120"/>
-                                    <a:cs typeface="Times New Roman" panose="02020603050405020304" pitchFamily="18" charset="0"/>
-                                  </a:rPr>
-                                  <m:t>1÷10501160</m:t>
-                                </m:r>
-                                <m:r>
-                                  <a:rPr lang="en-US" sz="2400" i="1" kern="100">
-                                    <a:effectLst/>
-                                    <a:latin typeface="Cambria Math" panose="02040503050406030204" pitchFamily="18" charset="0"/>
-                                    <a:ea typeface="新細明體" panose="02020500000000000000" pitchFamily="18" charset="-120"/>
-                                    <a:cs typeface="Times New Roman" panose="02020603050405020304" pitchFamily="18" charset="0"/>
-                                  </a:rPr>
-                                  <m:t>𝑛𝑠</m:t>
-                                </m:r>
-                                <m:r>
-                                  <a:rPr lang="en-US" sz="2400" i="1" kern="100">
-                                    <a:effectLst/>
-                                    <a:latin typeface="Cambria Math" panose="02040503050406030204" pitchFamily="18" charset="0"/>
-                                    <a:ea typeface="新細明體" panose="02020500000000000000" pitchFamily="18" charset="-120"/>
-                                    <a:cs typeface="Times New Roman" panose="02020603050405020304" pitchFamily="18" charset="0"/>
-                                  </a:rPr>
-                                  <m:t>=95.23</m:t>
-                                </m:r>
-                              </m:oMath>
-                            </m:oMathPara>
-                          </a14:m>
-                          <a:endParaRPr lang="zh-TW" sz="2400" kern="100">
-                            <a:effectLst/>
-                            <a:latin typeface="Calibri" panose="020F0502020204030204" pitchFamily="34" charset="0"/>
-                            <a:ea typeface="新細明體" panose="02020500000000000000" pitchFamily="18" charset="-120"/>
-                            <a:cs typeface="Times New Roman" panose="02020603050405020304" pitchFamily="18" charset="0"/>
-                          </a:endParaRPr>
-                        </a:p>
-                      </a:txBody>
-                      <a:tcPr marL="68580" marR="68580" marT="0" marB="0"/>
-                    </a:tc>
-                    <a:extLst>
-                      <a:ext uri="{0D108BD9-81ED-4DB2-BD59-A6C34878D82A}">
-                        <a16:rowId xmlns:a16="http://schemas.microsoft.com/office/drawing/2014/main" val="1976930131"/>
-                      </a:ext>
-                    </a:extLst>
-                  </a:tr>
-                  <a:tr h="525735">
-                    <a:tc>
-                      <a:txBody>
-                        <a:bodyPr/>
-                        <a:lstStyle/>
-                        <a:p>
-                          <a:pPr marL="304800" algn="ctr"/>
-                          <a:r>
-                            <a:rPr lang="en-US" sz="2400" kern="100" dirty="0">
-                              <a:effectLst/>
-                              <a:latin typeface="Calibri" panose="020F0502020204030204" pitchFamily="34" charset="0"/>
-                              <a:ea typeface="新細明體" panose="02020500000000000000" pitchFamily="18" charset="-120"/>
-                              <a:cs typeface="Times New Roman" panose="02020603050405020304" pitchFamily="18" charset="0"/>
-                            </a:rPr>
-                            <a:t>last</a:t>
-                          </a:r>
-                          <a:endParaRPr lang="zh-TW" sz="2400" kern="100" dirty="0">
-                            <a:effectLst/>
-                            <a:latin typeface="Calibri" panose="020F0502020204030204" pitchFamily="34" charset="0"/>
-                            <a:ea typeface="新細明體" panose="02020500000000000000" pitchFamily="18" charset="-120"/>
-                            <a:cs typeface="Times New Roman" panose="02020603050405020304" pitchFamily="18" charset="0"/>
-                          </a:endParaRPr>
-                        </a:p>
-                      </a:txBody>
-                      <a:tcPr marL="68580" marR="68580" marT="0" marB="0"/>
-                    </a:tc>
-                    <a:tc>
-                      <a:txBody>
-                        <a:bodyPr/>
-                        <a:lstStyle/>
-                        <a:p>
-                          <a:pPr marL="304800"/>
-                          <a14:m>
-                            <m:oMathPara xmlns:m="http://schemas.openxmlformats.org/officeDocument/2006/math">
-                              <m:oMathParaPr>
-                                <m:jc m:val="centerGroup"/>
-                              </m:oMathParaPr>
-                              <m:oMath xmlns:m="http://schemas.openxmlformats.org/officeDocument/2006/math">
-                                <m:r>
-                                  <a:rPr lang="en-US" sz="2400" i="1" kern="100">
-                                    <a:effectLst/>
-                                    <a:latin typeface="Cambria Math" panose="02040503050406030204" pitchFamily="18" charset="0"/>
-                                    <a:ea typeface="新細明體" panose="02020500000000000000" pitchFamily="18" charset="-120"/>
-                                    <a:cs typeface="Times New Roman" panose="02020603050405020304" pitchFamily="18" charset="0"/>
-                                  </a:rPr>
-                                  <m:t>1÷82500</m:t>
-                                </m:r>
-                                <m:r>
-                                  <a:rPr lang="en-US" sz="2400" i="1" kern="100">
-                                    <a:effectLst/>
-                                    <a:latin typeface="Cambria Math" panose="02040503050406030204" pitchFamily="18" charset="0"/>
-                                    <a:ea typeface="新細明體" panose="02020500000000000000" pitchFamily="18" charset="-120"/>
-                                    <a:cs typeface="Times New Roman" panose="02020603050405020304" pitchFamily="18" charset="0"/>
-                                  </a:rPr>
-                                  <m:t>𝑛𝑠</m:t>
-                                </m:r>
-                                <m:r>
-                                  <a:rPr lang="en-US" sz="2400" i="1" kern="100">
-                                    <a:effectLst/>
-                                    <a:latin typeface="Cambria Math" panose="02040503050406030204" pitchFamily="18" charset="0"/>
-                                    <a:ea typeface="新細明體" panose="02020500000000000000" pitchFamily="18" charset="-120"/>
-                                    <a:cs typeface="Times New Roman" panose="02020603050405020304" pitchFamily="18" charset="0"/>
-                                  </a:rPr>
-                                  <m:t>=12121.21</m:t>
-                                </m:r>
-                              </m:oMath>
-                            </m:oMathPara>
-                          </a14:m>
-                          <a:endParaRPr lang="zh-TW" sz="2400" kern="100" dirty="0">
-                            <a:effectLst/>
-                            <a:latin typeface="Calibri" panose="020F0502020204030204" pitchFamily="34" charset="0"/>
-                            <a:ea typeface="新細明體" panose="02020500000000000000" pitchFamily="18" charset="-120"/>
-                            <a:cs typeface="Times New Roman" panose="02020603050405020304" pitchFamily="18" charset="0"/>
-                          </a:endParaRPr>
-                        </a:p>
-                      </a:txBody>
-                      <a:tcPr marL="68580" marR="68580" marT="0" marB="0"/>
-                    </a:tc>
-                    <a:extLst>
-                      <a:ext uri="{0D108BD9-81ED-4DB2-BD59-A6C34878D82A}">
-                        <a16:rowId xmlns:a16="http://schemas.microsoft.com/office/drawing/2014/main" val="2960458170"/>
-                      </a:ext>
-                    </a:extLst>
-                  </a:tr>
-                </a:tbl>
-              </a:graphicData>
-            </a:graphic>
-          </p:graphicFrame>
-        </mc:Choice>
-        <mc:Fallback>
-          <p:graphicFrame>
-            <p:nvGraphicFramePr>
-              <p:cNvPr id="7" name="表格 7">
-                <a:extLst>
-                  <a:ext uri="{FF2B5EF4-FFF2-40B4-BE49-F238E27FC236}">
-                    <a16:creationId xmlns:a16="http://schemas.microsoft.com/office/drawing/2014/main" id="{5108F61F-346F-A9CD-AFF8-6CF863E57F7E}"/>
-                  </a:ext>
-                </a:extLst>
-              </p:cNvPr>
-              <p:cNvGraphicFramePr>
-                <a:graphicFrameLocks noGrp="1"/>
-              </p:cNvGraphicFramePr>
-              <p:nvPr/>
-            </p:nvGraphicFramePr>
-            <p:xfrm>
-              <a:off x="1632505" y="4927106"/>
-              <a:ext cx="4740112" cy="1446150"/>
-            </p:xfrm>
-            <a:graphic>
-              <a:graphicData uri="http://schemas.openxmlformats.org/drawingml/2006/table">
-                <a:tbl>
-                  <a:tblPr>
-                    <a:tableStyleId>{5C22544A-7EE6-4342-B048-85BDC9FD1C3A}</a:tableStyleId>
-                  </a:tblPr>
-                  <a:tblGrid>
-                    <a:gridCol w="1492435">
-                      <a:extLst>
-                        <a:ext uri="{9D8B030D-6E8A-4147-A177-3AD203B41FA5}">
-                          <a16:colId xmlns:a16="http://schemas.microsoft.com/office/drawing/2014/main" val="1332912682"/>
-                        </a:ext>
-                      </a:extLst>
-                    </a:gridCol>
-                    <a:gridCol w="3247677">
-                      <a:extLst>
-                        <a:ext uri="{9D8B030D-6E8A-4147-A177-3AD203B41FA5}">
-                          <a16:colId xmlns:a16="http://schemas.microsoft.com/office/drawing/2014/main" val="3163113459"/>
-                        </a:ext>
-                      </a:extLst>
-                    </a:gridCol>
-                  </a:tblGrid>
-                  <a:tr h="723075">
-                    <a:tc>
-                      <a:txBody>
-                        <a:bodyPr/>
-                        <a:lstStyle/>
-                        <a:p>
-                          <a:pPr marL="304800" algn="ctr"/>
-                          <a:r>
-                            <a:rPr lang="en-US" sz="2400" kern="100" dirty="0">
-                              <a:effectLst/>
-                              <a:latin typeface="Calibri" panose="020F0502020204030204" pitchFamily="34" charset="0"/>
-                              <a:ea typeface="新細明體" panose="02020500000000000000" pitchFamily="18" charset="-120"/>
-                              <a:cs typeface="Times New Roman" panose="02020603050405020304" pitchFamily="18" charset="0"/>
-                            </a:rPr>
-                            <a:t>original</a:t>
-                          </a:r>
-                          <a:endParaRPr lang="zh-TW" sz="2400" kern="100" dirty="0">
-                            <a:effectLst/>
-                            <a:latin typeface="Calibri" panose="020F0502020204030204" pitchFamily="34" charset="0"/>
-                            <a:ea typeface="新細明體" panose="02020500000000000000" pitchFamily="18" charset="-120"/>
-                            <a:cs typeface="Times New Roman" panose="02020603050405020304" pitchFamily="18" charset="0"/>
-                          </a:endParaRPr>
-                        </a:p>
-                      </a:txBody>
-                      <a:tcPr marL="68580" marR="68580" marT="0" marB="0"/>
-                    </a:tc>
-                    <a:tc>
-                      <a:txBody>
-                        <a:bodyPr/>
-                        <a:lstStyle/>
-                        <a:p>
-                          <a:endParaRPr lang="zh-TW"/>
-                        </a:p>
-                      </a:txBody>
-                      <a:tcPr marL="68580" marR="68580" marT="0" marB="0">
-                        <a:blipFill>
-                          <a:blip r:embed="rId3"/>
-                          <a:stretch>
-                            <a:fillRect l="-46067" t="-12605" r="-375" b="-103361"/>
-                          </a:stretch>
-                        </a:blipFill>
-                      </a:tcPr>
-                    </a:tc>
-                    <a:extLst>
-                      <a:ext uri="{0D108BD9-81ED-4DB2-BD59-A6C34878D82A}">
-                        <a16:rowId xmlns:a16="http://schemas.microsoft.com/office/drawing/2014/main" val="1976930131"/>
-                      </a:ext>
-                    </a:extLst>
-                  </a:tr>
-                  <a:tr h="723075">
-                    <a:tc>
-                      <a:txBody>
-                        <a:bodyPr/>
-                        <a:lstStyle/>
-                        <a:p>
-                          <a:pPr marL="304800" algn="ctr"/>
-                          <a:r>
-                            <a:rPr lang="en-US" sz="2400" kern="100" dirty="0">
-                              <a:effectLst/>
-                              <a:latin typeface="Calibri" panose="020F0502020204030204" pitchFamily="34" charset="0"/>
-                              <a:ea typeface="新細明體" panose="02020500000000000000" pitchFamily="18" charset="-120"/>
-                              <a:cs typeface="Times New Roman" panose="02020603050405020304" pitchFamily="18" charset="0"/>
-                            </a:rPr>
-                            <a:t>last</a:t>
-                          </a:r>
-                          <a:endParaRPr lang="zh-TW" sz="2400" kern="100" dirty="0">
-                            <a:effectLst/>
-                            <a:latin typeface="Calibri" panose="020F0502020204030204" pitchFamily="34" charset="0"/>
-                            <a:ea typeface="新細明體" panose="02020500000000000000" pitchFamily="18" charset="-120"/>
-                            <a:cs typeface="Times New Roman" panose="02020603050405020304" pitchFamily="18" charset="0"/>
-                          </a:endParaRPr>
-                        </a:p>
-                      </a:txBody>
-                      <a:tcPr marL="68580" marR="68580" marT="0" marB="0"/>
-                    </a:tc>
-                    <a:tc>
-                      <a:txBody>
-                        <a:bodyPr/>
-                        <a:lstStyle/>
-                        <a:p>
-                          <a:endParaRPr lang="zh-TW"/>
-                        </a:p>
-                      </a:txBody>
-                      <a:tcPr marL="68580" marR="68580" marT="0" marB="0">
-                        <a:blipFill>
-                          <a:blip r:embed="rId3"/>
-                          <a:stretch>
-                            <a:fillRect l="-46067" t="-112605" r="-375" b="-3361"/>
-                          </a:stretch>
-                        </a:blipFill>
-                      </a:tcPr>
-                    </a:tc>
-                    <a:extLst>
-                      <a:ext uri="{0D108BD9-81ED-4DB2-BD59-A6C34878D82A}">
-                        <a16:rowId xmlns:a16="http://schemas.microsoft.com/office/drawing/2014/main" val="2960458170"/>
-                      </a:ext>
-                    </a:extLst>
-                  </a:tr>
-                </a:tbl>
-              </a:graphicData>
-            </a:graphic>
-          </p:graphicFrame>
-        </mc:Fallback>
-      </mc:AlternateContent>
+      <p:pic>
+        <p:nvPicPr>
+          <p:cNvPr id="8" name="圖片 7">
+            <a:extLst>
+              <a:ext uri="{FF2B5EF4-FFF2-40B4-BE49-F238E27FC236}">
+                <a16:creationId xmlns:a16="http://schemas.microsoft.com/office/drawing/2014/main" id="{9C9BC629-711C-C356-5320-E82EBAE219C4}"/>
+              </a:ext>
+            </a:extLst>
+          </p:cNvPr>
+          <p:cNvPicPr>
+            <a:picLocks noChangeAspect="1"/>
+          </p:cNvPicPr>
+          <p:nvPr/>
+        </p:nvPicPr>
+        <p:blipFill>
+          <a:blip r:embed="rId3"/>
+          <a:stretch>
+            <a:fillRect/>
+          </a:stretch>
+        </p:blipFill>
+        <p:spPr>
+          <a:xfrm>
+            <a:off x="1367798" y="2430404"/>
+            <a:ext cx="5042467" cy="3047501"/>
+          </a:xfrm>
+          <a:prstGeom prst="rect">
+            <a:avLst/>
+          </a:prstGeom>
+        </p:spPr>
+      </p:pic>
     </p:spTree>
     <p:extLst>
       <p:ext uri="{BB962C8B-B14F-4D97-AF65-F5344CB8AC3E}">
-        <p14:creationId xmlns:p14="http://schemas.microsoft.com/office/powerpoint/2010/main" val="2206923315"/>
+        <p14:creationId xmlns:p14="http://schemas.microsoft.com/office/powerpoint/2010/main" val="1122188398"/>
       </p:ext>
     </p:extLst>
   </p:cSld>
@@ -13134,7 +12870,7 @@
           <p:cNvPr id="2" name="標題 1">
             <a:extLst>
               <a:ext uri="{FF2B5EF4-FFF2-40B4-BE49-F238E27FC236}">
-                <a16:creationId xmlns:a16="http://schemas.microsoft.com/office/drawing/2014/main" id="{6AD333AD-95C4-E06C-3D00-F79FD669C337}"/>
+                <a16:creationId xmlns:a16="http://schemas.microsoft.com/office/drawing/2014/main" id="{5E4CC000-34EA-5540-E778-EB56733F4784}"/>
               </a:ext>
             </a:extLst>
           </p:cNvPr>
@@ -13152,111 +12888,7 @@
           <a:p>
             <a:r>
               <a:rPr lang="en-US" altLang="zh-TW" dirty="0"/>
-              <a:t>5. Best architecture</a:t>
-            </a:r>
-            <a:endParaRPr lang="zh-TW" altLang="en-US" dirty="0"/>
-          </a:p>
-        </p:txBody>
-      </p:sp>
-      <p:sp>
-        <p:nvSpPr>
-          <p:cNvPr id="3" name="文字版面配置區 2">
-            <a:extLst>
-              <a:ext uri="{FF2B5EF4-FFF2-40B4-BE49-F238E27FC236}">
-                <a16:creationId xmlns:a16="http://schemas.microsoft.com/office/drawing/2014/main" id="{E44D557E-A7CD-E6CB-5238-8EC9753E1002}"/>
-              </a:ext>
-            </a:extLst>
-          </p:cNvPr>
-          <p:cNvSpPr>
-            <a:spLocks noGrp="1"/>
-          </p:cNvSpPr>
-          <p:nvPr>
-            <p:ph type="body" idx="1"/>
-          </p:nvPr>
-        </p:nvSpPr>
-        <p:spPr>
-          <a:xfrm>
-            <a:off x="1371600" y="1515240"/>
-            <a:ext cx="4443984" cy="823912"/>
-          </a:xfrm>
-        </p:spPr>
-        <p:txBody>
-          <a:bodyPr/>
-          <a:lstStyle/>
-          <a:p>
-            <a:r>
-              <a:rPr lang="en-US" altLang="zh-TW" dirty="0"/>
-              <a:t>original</a:t>
-            </a:r>
-            <a:endParaRPr lang="zh-TW" altLang="en-US" dirty="0"/>
-          </a:p>
-        </p:txBody>
-      </p:sp>
-      <p:sp>
-        <p:nvSpPr>
-          <p:cNvPr id="4" name="內容版面配置區 3">
-            <a:extLst>
-              <a:ext uri="{FF2B5EF4-FFF2-40B4-BE49-F238E27FC236}">
-                <a16:creationId xmlns:a16="http://schemas.microsoft.com/office/drawing/2014/main" id="{78091E82-8F31-4CB6-AE22-0696788BA704}"/>
-              </a:ext>
-            </a:extLst>
-          </p:cNvPr>
-          <p:cNvSpPr>
-            <a:spLocks noGrp="1"/>
-          </p:cNvSpPr>
-          <p:nvPr>
-            <p:ph sz="half" idx="2"/>
-          </p:nvPr>
-        </p:nvSpPr>
-        <p:spPr>
-          <a:xfrm>
-            <a:off x="1626092" y="5867400"/>
-            <a:ext cx="9506505" cy="754602"/>
-          </a:xfrm>
-        </p:spPr>
-        <p:txBody>
-          <a:bodyPr>
-            <a:normAutofit lnSpcReduction="10000"/>
-          </a:bodyPr>
-          <a:lstStyle/>
-          <a:p>
-            <a:r>
-              <a:rPr lang="en-US" altLang="zh-TW" sz="2400" dirty="0"/>
-              <a:t>We can see that the throughput increases a lot, but the resource utilization also increases about 10 times of the original usage.</a:t>
-            </a:r>
-            <a:endParaRPr lang="zh-TW" altLang="en-US" sz="2400" dirty="0"/>
-          </a:p>
-        </p:txBody>
-      </p:sp>
-      <p:sp>
-        <p:nvSpPr>
-          <p:cNvPr id="5" name="文字版面配置區 4">
-            <a:extLst>
-              <a:ext uri="{FF2B5EF4-FFF2-40B4-BE49-F238E27FC236}">
-                <a16:creationId xmlns:a16="http://schemas.microsoft.com/office/drawing/2014/main" id="{17D4AE7E-5E96-0EBE-0977-D40B219C63BA}"/>
-              </a:ext>
-            </a:extLst>
-          </p:cNvPr>
-          <p:cNvSpPr>
-            <a:spLocks noGrp="1"/>
-          </p:cNvSpPr>
-          <p:nvPr>
-            <p:ph type="body" sz="quarter" idx="3"/>
-          </p:nvPr>
-        </p:nvSpPr>
-        <p:spPr>
-          <a:xfrm>
-            <a:off x="6525014" y="1515240"/>
-            <a:ext cx="4443984" cy="823912"/>
-          </a:xfrm>
-        </p:spPr>
-        <p:txBody>
-          <a:bodyPr/>
-          <a:lstStyle/>
-          <a:p>
-            <a:r>
-              <a:rPr lang="en-US" altLang="zh-TW" dirty="0"/>
-              <a:t>last</a:t>
+              <a:t>6. Streaming interface synthesis</a:t>
             </a:r>
             <a:endParaRPr lang="zh-TW" altLang="en-US" dirty="0"/>
           </a:p>
@@ -13264,10 +12896,10 @@
       </p:sp>
       <p:pic>
         <p:nvPicPr>
-          <p:cNvPr id="7" name="內容版面配置區 6">
-            <a:extLst>
-              <a:ext uri="{FF2B5EF4-FFF2-40B4-BE49-F238E27FC236}">
-                <a16:creationId xmlns:a16="http://schemas.microsoft.com/office/drawing/2014/main" id="{450EAFD4-F52F-8F73-422F-32C72259F8F5}"/>
+          <p:cNvPr id="4" name="內容版面配置區 3">
+            <a:extLst>
+              <a:ext uri="{FF2B5EF4-FFF2-40B4-BE49-F238E27FC236}">
+                <a16:creationId xmlns:a16="http://schemas.microsoft.com/office/drawing/2014/main" id="{9A3B418D-1AD6-A3FF-88A6-BB59CEA7B431}"/>
               </a:ext>
             </a:extLst>
           </p:cNvPr>
@@ -13275,7 +12907,7 @@
             <a:picLocks noGrp="1" noChangeAspect="1"/>
           </p:cNvPicPr>
           <p:nvPr>
-            <p:ph sz="quarter" idx="4"/>
+            <p:ph idx="1"/>
           </p:nvPr>
         </p:nvPicPr>
         <p:blipFill>
@@ -13286,38 +12918,8 @@
         </p:blipFill>
         <p:spPr>
           <a:xfrm>
-            <a:off x="6620528" y="2430404"/>
-            <a:ext cx="5326613" cy="3047501"/>
-          </a:xfrm>
-          <a:prstGeom prst="rect">
-            <a:avLst/>
-          </a:prstGeom>
-        </p:spPr>
-      </p:pic>
-      <p:pic>
-        <p:nvPicPr>
-          <p:cNvPr id="8" name="圖片 7">
-            <a:extLst>
-              <a:ext uri="{FF2B5EF4-FFF2-40B4-BE49-F238E27FC236}">
-                <a16:creationId xmlns:a16="http://schemas.microsoft.com/office/drawing/2014/main" id="{9C9BC629-711C-C356-5320-E82EBAE219C4}"/>
-              </a:ext>
-            </a:extLst>
-          </p:cNvPr>
-          <p:cNvPicPr>
-            <a:picLocks noChangeAspect="1"/>
-          </p:cNvPicPr>
-          <p:nvPr/>
-        </p:nvPicPr>
-        <p:blipFill>
-          <a:blip r:embed="rId3"/>
-          <a:stretch>
-            <a:fillRect/>
-          </a:stretch>
-        </p:blipFill>
-        <p:spPr>
-          <a:xfrm>
-            <a:off x="1367798" y="2430404"/>
-            <a:ext cx="5042467" cy="3047501"/>
+            <a:off x="1896425" y="1620173"/>
+            <a:ext cx="8859377" cy="5126855"/>
           </a:xfrm>
           <a:prstGeom prst="rect">
             <a:avLst/>
@@ -13327,7 +12929,7 @@
     </p:spTree>
     <p:extLst>
       <p:ext uri="{BB962C8B-B14F-4D97-AF65-F5344CB8AC3E}">
-        <p14:creationId xmlns:p14="http://schemas.microsoft.com/office/powerpoint/2010/main" val="1122188398"/>
+        <p14:creationId xmlns:p14="http://schemas.microsoft.com/office/powerpoint/2010/main" val="1497626096"/>
       </p:ext>
     </p:extLst>
   </p:cSld>
@@ -13359,7 +12961,7 @@
           <p:cNvPr id="2" name="標題 1">
             <a:extLst>
               <a:ext uri="{FF2B5EF4-FFF2-40B4-BE49-F238E27FC236}">
-                <a16:creationId xmlns:a16="http://schemas.microsoft.com/office/drawing/2014/main" id="{5E4CC000-34EA-5540-E778-EB56733F4784}"/>
+                <a16:creationId xmlns:a16="http://schemas.microsoft.com/office/drawing/2014/main" id="{9F96E19F-DF3D-4686-C4CF-52C17C1AF1E4}"/>
               </a:ext>
             </a:extLst>
           </p:cNvPr>
@@ -13372,43 +12974,156 @@
         </p:nvSpPr>
         <p:spPr/>
         <p:txBody>
-          <a:bodyPr/>
+          <a:bodyPr>
+            <a:noAutofit/>
+          </a:bodyPr>
           <a:lstStyle/>
           <a:p>
             <a:r>
-              <a:rPr lang="en-US" altLang="zh-TW" dirty="0"/>
-              <a:t>6. Streaming interface synthesis</a:t>
-            </a:r>
-            <a:endParaRPr lang="zh-TW" altLang="en-US" dirty="0"/>
-          </a:p>
-        </p:txBody>
-      </p:sp>
-      <p:pic>
-        <p:nvPicPr>
-          <p:cNvPr id="4" name="內容版面配置區 3">
-            <a:extLst>
-              <a:ext uri="{FF2B5EF4-FFF2-40B4-BE49-F238E27FC236}">
-                <a16:creationId xmlns:a16="http://schemas.microsoft.com/office/drawing/2014/main" id="{9A3B418D-1AD6-A3FF-88A6-BB59CEA7B431}"/>
-              </a:ext>
-            </a:extLst>
-          </p:cNvPr>
-          <p:cNvPicPr>
-            <a:picLocks noGrp="1" noChangeAspect="1"/>
-          </p:cNvPicPr>
+              <a:rPr lang="en-US" altLang="zh-TW" sz="2800" dirty="0"/>
+              <a:t>Describe the major changes that you made to your code to implement the streaming interface. What benefits does the streaming interface provide? What are the drawbacks?</a:t>
+            </a:r>
+            <a:endParaRPr lang="zh-TW" altLang="en-US" sz="2800" dirty="0"/>
+          </a:p>
+        </p:txBody>
+      </p:sp>
+      <p:sp>
+        <p:nvSpPr>
+          <p:cNvPr id="3" name="內容版面配置區 2">
+            <a:extLst>
+              <a:ext uri="{FF2B5EF4-FFF2-40B4-BE49-F238E27FC236}">
+                <a16:creationId xmlns:a16="http://schemas.microsoft.com/office/drawing/2014/main" id="{9500BF72-5732-DA63-D830-BEFA1DC7B7B1}"/>
+              </a:ext>
+            </a:extLst>
+          </p:cNvPr>
+          <p:cNvSpPr>
+            <a:spLocks noGrp="1"/>
+          </p:cNvSpPr>
           <p:nvPr>
             <p:ph idx="1"/>
           </p:nvPr>
+        </p:nvSpPr>
+        <p:spPr>
+          <a:xfrm>
+            <a:off x="1371600" y="2951825"/>
+            <a:ext cx="8012097" cy="3581400"/>
+          </a:xfrm>
+        </p:spPr>
+        <p:txBody>
+          <a:bodyPr>
+            <a:normAutofit/>
+          </a:bodyPr>
+          <a:lstStyle/>
+          <a:p>
+            <a:r>
+              <a:rPr lang="en-US" altLang="zh-TW" sz="2400" dirty="0"/>
+              <a:t>I use 4 arrays to store the input streams and output streams. </a:t>
+            </a:r>
+          </a:p>
+          <a:p>
+            <a:r>
+              <a:rPr lang="en-US" altLang="zh-TW" sz="2400" dirty="0"/>
+              <a:t>We must finish calculating a value before writing it into stream, so I use arrays to store the temporary value.</a:t>
+            </a:r>
+          </a:p>
+          <a:p>
+            <a:r>
+              <a:rPr lang="en-US" altLang="zh-TW" sz="2400" dirty="0"/>
+              <a:t>real and </a:t>
+            </a:r>
+            <a:r>
+              <a:rPr lang="en-US" altLang="zh-TW" sz="2400" dirty="0" err="1"/>
+              <a:t>imag</a:t>
+            </a:r>
+            <a:r>
+              <a:rPr lang="en-US" altLang="zh-TW" sz="2400" dirty="0"/>
+              <a:t> must be loaded first. Otherwise, they need to be read in the DFT_OUTER_LOOP, and we cannot perform pipeline to lower the latency. </a:t>
+            </a:r>
+            <a:endParaRPr lang="zh-TW" altLang="en-US" sz="2400" dirty="0"/>
+          </a:p>
+        </p:txBody>
+      </p:sp>
+      <p:pic>
+        <p:nvPicPr>
+          <p:cNvPr id="4" name="圖片 3">
+            <a:extLst>
+              <a:ext uri="{FF2B5EF4-FFF2-40B4-BE49-F238E27FC236}">
+                <a16:creationId xmlns:a16="http://schemas.microsoft.com/office/drawing/2014/main" id="{2A91BC03-DB7F-C3CD-6A4A-CABD0021EC70}"/>
+              </a:ext>
+            </a:extLst>
+          </p:cNvPr>
+          <p:cNvPicPr>
+            <a:picLocks noChangeAspect="1"/>
+          </p:cNvPicPr>
+          <p:nvPr/>
         </p:nvPicPr>
-        <p:blipFill>
+        <p:blipFill rotWithShape="1">
           <a:blip r:embed="rId2"/>
-          <a:stretch>
-            <a:fillRect/>
-          </a:stretch>
+          <a:srcRect l="5700" t="39986" r="71521" b="52819"/>
+          <a:stretch/>
         </p:blipFill>
         <p:spPr>
           <a:xfrm>
-            <a:off x="1896425" y="1620173"/>
-            <a:ext cx="8859377" cy="5126855"/>
+            <a:off x="8691239" y="2945906"/>
+            <a:ext cx="3400148" cy="621438"/>
+          </a:xfrm>
+          <a:prstGeom prst="rect">
+            <a:avLst/>
+          </a:prstGeom>
+        </p:spPr>
+      </p:pic>
+      <p:pic>
+        <p:nvPicPr>
+          <p:cNvPr id="5" name="圖片 4">
+            <a:extLst>
+              <a:ext uri="{FF2B5EF4-FFF2-40B4-BE49-F238E27FC236}">
+                <a16:creationId xmlns:a16="http://schemas.microsoft.com/office/drawing/2014/main" id="{622633BB-296D-6DEE-6216-814C83008360}"/>
+              </a:ext>
+            </a:extLst>
+          </p:cNvPr>
+          <p:cNvPicPr>
+            <a:picLocks noChangeAspect="1"/>
+          </p:cNvPicPr>
+          <p:nvPr/>
+        </p:nvPicPr>
+        <p:blipFill rotWithShape="1">
+          <a:blip r:embed="rId2"/>
+          <a:srcRect l="5391" t="81761" r="77243" b="11044"/>
+          <a:stretch/>
+        </p:blipFill>
+        <p:spPr>
+          <a:xfrm>
+            <a:off x="9383697" y="3770049"/>
+            <a:ext cx="2592279" cy="621438"/>
+          </a:xfrm>
+          <a:prstGeom prst="rect">
+            <a:avLst/>
+          </a:prstGeom>
+        </p:spPr>
+      </p:pic>
+      <p:pic>
+        <p:nvPicPr>
+          <p:cNvPr id="6" name="內容版面配置區 3">
+            <a:extLst>
+              <a:ext uri="{FF2B5EF4-FFF2-40B4-BE49-F238E27FC236}">
+                <a16:creationId xmlns:a16="http://schemas.microsoft.com/office/drawing/2014/main" id="{43FDF144-97FB-8B17-5337-D44D88E7528F}"/>
+              </a:ext>
+            </a:extLst>
+          </p:cNvPr>
+          <p:cNvPicPr>
+            <a:picLocks noChangeAspect="1"/>
+          </p:cNvPicPr>
+          <p:nvPr/>
+        </p:nvPicPr>
+        <p:blipFill rotWithShape="1">
+          <a:blip r:embed="rId2"/>
+          <a:srcRect b="93766"/>
+          <a:stretch/>
+        </p:blipFill>
+        <p:spPr>
+          <a:xfrm>
+            <a:off x="1219200" y="2276936"/>
+            <a:ext cx="10489822" cy="378412"/>
           </a:xfrm>
           <a:prstGeom prst="rect">
             <a:avLst/>
@@ -13418,7 +13133,7 @@
     </p:spTree>
     <p:extLst>
       <p:ext uri="{BB962C8B-B14F-4D97-AF65-F5344CB8AC3E}">
-        <p14:creationId xmlns:p14="http://schemas.microsoft.com/office/powerpoint/2010/main" val="1497626096"/>
+        <p14:creationId xmlns:p14="http://schemas.microsoft.com/office/powerpoint/2010/main" val="1554600834"/>
       </p:ext>
     </p:extLst>
   </p:cSld>
@@ -13494,8 +13209,8 @@
         </p:nvSpPr>
         <p:spPr>
           <a:xfrm>
-            <a:off x="1371600" y="2951825"/>
-            <a:ext cx="8012097" cy="3581400"/>
+            <a:off x="1371600" y="5495277"/>
+            <a:ext cx="9814262" cy="1296140"/>
           </a:xfrm>
         </p:spPr>
         <p:txBody>
@@ -13506,27 +13221,7 @@
           <a:p>
             <a:r>
               <a:rPr lang="en-US" altLang="zh-TW" sz="2400" dirty="0"/>
-              <a:t>I use 4 arrays to store the input streams and output streams. </a:t>
-            </a:r>
-          </a:p>
-          <a:p>
-            <a:r>
-              <a:rPr lang="en-US" altLang="zh-TW" sz="2400" dirty="0"/>
-              <a:t>We must finish calculating a value before writing it into stream, so I use arrays to store the temporary value.</a:t>
-            </a:r>
-          </a:p>
-          <a:p>
-            <a:r>
-              <a:rPr lang="en-US" altLang="zh-TW" sz="2400" dirty="0"/>
-              <a:t>real and </a:t>
-            </a:r>
-            <a:r>
-              <a:rPr lang="en-US" altLang="zh-TW" sz="2400" dirty="0" err="1"/>
-              <a:t>imag</a:t>
-            </a:r>
-            <a:r>
-              <a:rPr lang="en-US" altLang="zh-TW" sz="2400" dirty="0"/>
-              <a:t> must be loaded first. Otherwise, they need to be read in the DFT_OUTER_LOOP, and we cannot perform pipeline to lower the latency. </a:t>
+              <a:t>We can see that the total latency decreases. However, the interval increases. Since we can’t start a new computation when output the values.</a:t>
             </a:r>
             <a:endParaRPr lang="zh-TW" altLang="en-US" sz="2400" dirty="0"/>
           </a:p>
@@ -13534,10 +13229,10 @@
       </p:sp>
       <p:pic>
         <p:nvPicPr>
-          <p:cNvPr id="4" name="圖片 3">
-            <a:extLst>
-              <a:ext uri="{FF2B5EF4-FFF2-40B4-BE49-F238E27FC236}">
-                <a16:creationId xmlns:a16="http://schemas.microsoft.com/office/drawing/2014/main" id="{2A91BC03-DB7F-C3CD-6A4A-CABD0021EC70}"/>
+          <p:cNvPr id="7" name="圖片 6">
+            <a:extLst>
+              <a:ext uri="{FF2B5EF4-FFF2-40B4-BE49-F238E27FC236}">
+                <a16:creationId xmlns:a16="http://schemas.microsoft.com/office/drawing/2014/main" id="{589255FE-EFE0-31DF-F860-14F32B611501}"/>
               </a:ext>
             </a:extLst>
           </p:cNvPr>
@@ -13546,15 +13241,16 @@
           </p:cNvPicPr>
           <p:nvPr/>
         </p:nvPicPr>
-        <p:blipFill rotWithShape="1">
+        <p:blipFill>
           <a:blip r:embed="rId2"/>
-          <a:srcRect l="5700" t="39986" r="71521" b="52819"/>
-          <a:stretch/>
+          <a:stretch>
+            <a:fillRect/>
+          </a:stretch>
         </p:blipFill>
         <p:spPr>
           <a:xfrm>
-            <a:off x="8691239" y="2945906"/>
-            <a:ext cx="3400148" cy="621438"/>
+            <a:off x="1487460" y="2171700"/>
+            <a:ext cx="9698404" cy="1576100"/>
           </a:xfrm>
           <a:prstGeom prst="rect">
             <a:avLst/>
@@ -13563,10 +13259,10 @@
       </p:pic>
       <p:pic>
         <p:nvPicPr>
-          <p:cNvPr id="5" name="圖片 4">
-            <a:extLst>
-              <a:ext uri="{FF2B5EF4-FFF2-40B4-BE49-F238E27FC236}">
-                <a16:creationId xmlns:a16="http://schemas.microsoft.com/office/drawing/2014/main" id="{622633BB-296D-6DEE-6216-814C83008360}"/>
+          <p:cNvPr id="8" name="圖片 7">
+            <a:extLst>
+              <a:ext uri="{FF2B5EF4-FFF2-40B4-BE49-F238E27FC236}">
+                <a16:creationId xmlns:a16="http://schemas.microsoft.com/office/drawing/2014/main" id="{41B3D683-CF42-2AF1-6744-E8F62D069DB1}"/>
               </a:ext>
             </a:extLst>
           </p:cNvPr>
@@ -13575,44 +13271,16 @@
           </p:cNvPicPr>
           <p:nvPr/>
         </p:nvPicPr>
-        <p:blipFill rotWithShape="1">
-          <a:blip r:embed="rId2"/>
-          <a:srcRect l="5391" t="81761" r="77243" b="11044"/>
-          <a:stretch/>
+        <p:blipFill>
+          <a:blip r:embed="rId3"/>
+          <a:stretch>
+            <a:fillRect/>
+          </a:stretch>
         </p:blipFill>
         <p:spPr>
           <a:xfrm>
-            <a:off x="9383697" y="3770049"/>
-            <a:ext cx="2592279" cy="621438"/>
-          </a:xfrm>
-          <a:prstGeom prst="rect">
-            <a:avLst/>
-          </a:prstGeom>
-        </p:spPr>
-      </p:pic>
-      <p:pic>
-        <p:nvPicPr>
-          <p:cNvPr id="6" name="內容版面配置區 3">
-            <a:extLst>
-              <a:ext uri="{FF2B5EF4-FFF2-40B4-BE49-F238E27FC236}">
-                <a16:creationId xmlns:a16="http://schemas.microsoft.com/office/drawing/2014/main" id="{43FDF144-97FB-8B17-5337-D44D88E7528F}"/>
-              </a:ext>
-            </a:extLst>
-          </p:cNvPr>
-          <p:cNvPicPr>
-            <a:picLocks noChangeAspect="1"/>
-          </p:cNvPicPr>
-          <p:nvPr/>
-        </p:nvPicPr>
-        <p:blipFill rotWithShape="1">
-          <a:blip r:embed="rId2"/>
-          <a:srcRect b="93766"/>
-          <a:stretch/>
-        </p:blipFill>
-        <p:spPr>
-          <a:xfrm>
-            <a:off x="1219200" y="2276936"/>
-            <a:ext cx="10489822" cy="378412"/>
+            <a:off x="1487459" y="3987756"/>
+            <a:ext cx="9698403" cy="1153387"/>
           </a:xfrm>
           <a:prstGeom prst="rect">
             <a:avLst/>
@@ -13622,7 +13290,7 @@
     </p:spTree>
     <p:extLst>
       <p:ext uri="{BB962C8B-B14F-4D97-AF65-F5344CB8AC3E}">
-        <p14:creationId xmlns:p14="http://schemas.microsoft.com/office/powerpoint/2010/main" val="1554600834"/>
+        <p14:creationId xmlns:p14="http://schemas.microsoft.com/office/powerpoint/2010/main" val="3195427180"/>
       </p:ext>
     </p:extLst>
   </p:cSld>
@@ -13654,7 +13322,7 @@
           <p:cNvPr id="2" name="標題 1">
             <a:extLst>
               <a:ext uri="{FF2B5EF4-FFF2-40B4-BE49-F238E27FC236}">
-                <a16:creationId xmlns:a16="http://schemas.microsoft.com/office/drawing/2014/main" id="{9F96E19F-DF3D-4686-C4CF-52C17C1AF1E4}"/>
+                <a16:creationId xmlns:a16="http://schemas.microsoft.com/office/drawing/2014/main" id="{C37C763E-7246-D873-4C62-ED27E331FF84}"/>
               </a:ext>
             </a:extLst>
           </p:cNvPr>
@@ -13668,24 +13336,24 @@
         <p:spPr/>
         <p:txBody>
           <a:bodyPr>
-            <a:noAutofit/>
+            <a:normAutofit/>
           </a:bodyPr>
           <a:lstStyle/>
           <a:p>
             <a:r>
-              <a:rPr lang="en-US" altLang="zh-TW" sz="2800" dirty="0"/>
-              <a:t>Describe the major changes that you made to your code to implement the streaming interface. What benefits does the streaming interface provide? What are the drawbacks?</a:t>
-            </a:r>
-            <a:endParaRPr lang="zh-TW" altLang="en-US" sz="2800" dirty="0"/>
-          </a:p>
-        </p:txBody>
-      </p:sp>
-      <p:sp>
-        <p:nvSpPr>
-          <p:cNvPr id="3" name="內容版面配置區 2">
-            <a:extLst>
-              <a:ext uri="{FF2B5EF4-FFF2-40B4-BE49-F238E27FC236}">
-                <a16:creationId xmlns:a16="http://schemas.microsoft.com/office/drawing/2014/main" id="{9500BF72-5732-DA63-D830-BEFA1DC7B7B1}"/>
+              <a:rPr lang="en-US" altLang="zh-TW" cap="none" dirty="0"/>
+              <a:t>Explain What You Observed and Learned</a:t>
+            </a:r>
+            <a:endParaRPr lang="zh-TW" altLang="en-US" cap="none" dirty="0"/>
+          </a:p>
+        </p:txBody>
+      </p:sp>
+      <p:sp>
+        <p:nvSpPr>
+          <p:cNvPr id="3" name="文字版面配置區 2">
+            <a:extLst>
+              <a:ext uri="{FF2B5EF4-FFF2-40B4-BE49-F238E27FC236}">
+                <a16:creationId xmlns:a16="http://schemas.microsoft.com/office/drawing/2014/main" id="{DE83B45A-ABF5-8175-157F-2E1FFB817DB6}"/>
               </a:ext>
             </a:extLst>
           </p:cNvPr>
@@ -13693,93 +13361,22 @@
             <a:spLocks noGrp="1"/>
           </p:cNvSpPr>
           <p:nvPr>
-            <p:ph idx="1"/>
+            <p:ph type="body" idx="1"/>
           </p:nvPr>
         </p:nvSpPr>
-        <p:spPr>
-          <a:xfrm>
-            <a:off x="1371600" y="5495277"/>
-            <a:ext cx="9814262" cy="1296140"/>
-          </a:xfrm>
-        </p:spPr>
-        <p:txBody>
-          <a:bodyPr>
-            <a:normAutofit/>
-          </a:bodyPr>
+        <p:spPr/>
+        <p:txBody>
+          <a:bodyPr/>
           <a:lstStyle/>
           <a:p>
-            <a:r>
-              <a:rPr lang="en-US" altLang="zh-TW" sz="2400" dirty="0"/>
-              <a:t>We can see that the total latency decreases. However, the interval increases. Since we can’t start a new computation when output the values.</a:t>
-            </a:r>
-            <a:endParaRPr lang="zh-TW" altLang="en-US" sz="2400" dirty="0"/>
-          </a:p>
-        </p:txBody>
-      </p:sp>
-      <p:pic>
-        <p:nvPicPr>
-          <p:cNvPr id="7" name="圖片 6">
-            <a:extLst>
-              <a:ext uri="{FF2B5EF4-FFF2-40B4-BE49-F238E27FC236}">
-                <a16:creationId xmlns:a16="http://schemas.microsoft.com/office/drawing/2014/main" id="{589255FE-EFE0-31DF-F860-14F32B611501}"/>
-              </a:ext>
-            </a:extLst>
-          </p:cNvPr>
-          <p:cNvPicPr>
-            <a:picLocks noChangeAspect="1"/>
-          </p:cNvPicPr>
-          <p:nvPr/>
-        </p:nvPicPr>
-        <p:blipFill>
-          <a:blip r:embed="rId2"/>
-          <a:stretch>
-            <a:fillRect/>
-          </a:stretch>
-        </p:blipFill>
-        <p:spPr>
-          <a:xfrm>
-            <a:off x="1487460" y="2171700"/>
-            <a:ext cx="9698404" cy="1576100"/>
-          </a:xfrm>
-          <a:prstGeom prst="rect">
-            <a:avLst/>
-          </a:prstGeom>
-        </p:spPr>
-      </p:pic>
-      <p:pic>
-        <p:nvPicPr>
-          <p:cNvPr id="8" name="圖片 7">
-            <a:extLst>
-              <a:ext uri="{FF2B5EF4-FFF2-40B4-BE49-F238E27FC236}">
-                <a16:creationId xmlns:a16="http://schemas.microsoft.com/office/drawing/2014/main" id="{41B3D683-CF42-2AF1-6744-E8F62D069DB1}"/>
-              </a:ext>
-            </a:extLst>
-          </p:cNvPr>
-          <p:cNvPicPr>
-            <a:picLocks noChangeAspect="1"/>
-          </p:cNvPicPr>
-          <p:nvPr/>
-        </p:nvPicPr>
-        <p:blipFill>
-          <a:blip r:embed="rId3"/>
-          <a:stretch>
-            <a:fillRect/>
-          </a:stretch>
-        </p:blipFill>
-        <p:spPr>
-          <a:xfrm>
-            <a:off x="1487459" y="3987756"/>
-            <a:ext cx="9698403" cy="1153387"/>
-          </a:xfrm>
-          <a:prstGeom prst="rect">
-            <a:avLst/>
-          </a:prstGeom>
-        </p:spPr>
-      </p:pic>
+            <a:endParaRPr lang="zh-TW" altLang="en-US"/>
+          </a:p>
+        </p:txBody>
+      </p:sp>
     </p:spTree>
     <p:extLst>
       <p:ext uri="{BB962C8B-B14F-4D97-AF65-F5344CB8AC3E}">
-        <p14:creationId xmlns:p14="http://schemas.microsoft.com/office/powerpoint/2010/main" val="3195427180"/>
+        <p14:creationId xmlns:p14="http://schemas.microsoft.com/office/powerpoint/2010/main" val="1010080949"/>
       </p:ext>
     </p:extLst>
   </p:cSld>
@@ -13811,7 +13408,7 @@
           <p:cNvPr id="2" name="標題 1">
             <a:extLst>
               <a:ext uri="{FF2B5EF4-FFF2-40B4-BE49-F238E27FC236}">
-                <a16:creationId xmlns:a16="http://schemas.microsoft.com/office/drawing/2014/main" id="{C37C763E-7246-D873-4C62-ED27E331FF84}"/>
+                <a16:creationId xmlns:a16="http://schemas.microsoft.com/office/drawing/2014/main" id="{2F494FB5-D502-34F0-7EC1-0DD9A691AB5F}"/>
               </a:ext>
             </a:extLst>
           </p:cNvPr>
@@ -13824,25 +13421,23 @@
         </p:nvSpPr>
         <p:spPr/>
         <p:txBody>
-          <a:bodyPr>
-            <a:normAutofit/>
-          </a:bodyPr>
+          <a:bodyPr/>
           <a:lstStyle/>
           <a:p>
             <a:r>
               <a:rPr lang="en-US" altLang="zh-TW" cap="none" dirty="0"/>
               <a:t>Explain What You Observed and Learned</a:t>
             </a:r>
-            <a:endParaRPr lang="zh-TW" altLang="en-US" cap="none" dirty="0"/>
-          </a:p>
-        </p:txBody>
-      </p:sp>
-      <p:sp>
-        <p:nvSpPr>
-          <p:cNvPr id="3" name="文字版面配置區 2">
-            <a:extLst>
-              <a:ext uri="{FF2B5EF4-FFF2-40B4-BE49-F238E27FC236}">
-                <a16:creationId xmlns:a16="http://schemas.microsoft.com/office/drawing/2014/main" id="{DE83B45A-ABF5-8175-157F-2E1FFB817DB6}"/>
+            <a:endParaRPr lang="zh-TW" altLang="en-US" dirty="0"/>
+          </a:p>
+        </p:txBody>
+      </p:sp>
+      <p:sp>
+        <p:nvSpPr>
+          <p:cNvPr id="3" name="內容版面配置區 2">
+            <a:extLst>
+              <a:ext uri="{FF2B5EF4-FFF2-40B4-BE49-F238E27FC236}">
+                <a16:creationId xmlns:a16="http://schemas.microsoft.com/office/drawing/2014/main" id="{06BF8E9E-EB15-DC3A-0543-7B4FCA3AF318}"/>
               </a:ext>
             </a:extLst>
           </p:cNvPr>
@@ -13850,22 +13445,49 @@
             <a:spLocks noGrp="1"/>
           </p:cNvSpPr>
           <p:nvPr>
-            <p:ph type="body" idx="1"/>
+            <p:ph idx="1"/>
           </p:nvPr>
         </p:nvSpPr>
         <p:spPr/>
         <p:txBody>
-          <a:bodyPr/>
+          <a:bodyPr anchor="ctr">
+            <a:normAutofit/>
+          </a:bodyPr>
           <a:lstStyle/>
           <a:p>
-            <a:endParaRPr lang="zh-TW" altLang="en-US"/>
+            <a:r>
+              <a:rPr lang="en-US" altLang="zh-TW" sz="2400" kern="100" dirty="0">
+                <a:effectLst/>
+                <a:latin typeface="Calibri" panose="020F0502020204030204" pitchFamily="34" charset="0"/>
+                <a:ea typeface="新細明體" panose="02020500000000000000" pitchFamily="18" charset="-120"/>
+                <a:cs typeface="Times New Roman" panose="02020603050405020304" pitchFamily="18" charset="0"/>
+              </a:rPr>
+              <a:t>In this lab, I learned to optimize a design in several ways, including lookup table, array partition, unroll, pipeline, and dataflow. </a:t>
+            </a:r>
+          </a:p>
+          <a:p>
+            <a:r>
+              <a:rPr lang="en-US" altLang="zh-TW" sz="2400" kern="100" dirty="0">
+                <a:effectLst/>
+                <a:latin typeface="Calibri" panose="020F0502020204030204" pitchFamily="34" charset="0"/>
+                <a:ea typeface="新細明體" panose="02020500000000000000" pitchFamily="18" charset="-120"/>
+                <a:cs typeface="Times New Roman" panose="02020603050405020304" pitchFamily="18" charset="0"/>
+              </a:rPr>
+              <a:t>I also learned how to transmit float data through streams.</a:t>
+            </a:r>
+            <a:endParaRPr lang="zh-TW" altLang="zh-TW" sz="2400" kern="100" dirty="0">
+              <a:effectLst/>
+              <a:latin typeface="Calibri" panose="020F0502020204030204" pitchFamily="34" charset="0"/>
+              <a:ea typeface="新細明體" panose="02020500000000000000" pitchFamily="18" charset="-120"/>
+              <a:cs typeface="Times New Roman" panose="02020603050405020304" pitchFamily="18" charset="0"/>
+            </a:endParaRPr>
           </a:p>
         </p:txBody>
       </p:sp>
     </p:spTree>
     <p:extLst>
       <p:ext uri="{BB962C8B-B14F-4D97-AF65-F5344CB8AC3E}">
-        <p14:creationId xmlns:p14="http://schemas.microsoft.com/office/powerpoint/2010/main" val="1010080949"/>
+        <p14:creationId xmlns:p14="http://schemas.microsoft.com/office/powerpoint/2010/main" val="1785207695"/>
       </p:ext>
     </p:extLst>
   </p:cSld>
@@ -13897,7 +13519,7 @@
           <p:cNvPr id="2" name="標題 1">
             <a:extLst>
               <a:ext uri="{FF2B5EF4-FFF2-40B4-BE49-F238E27FC236}">
-                <a16:creationId xmlns:a16="http://schemas.microsoft.com/office/drawing/2014/main" id="{2F494FB5-D502-34F0-7EC1-0DD9A691AB5F}"/>
+                <a16:creationId xmlns:a16="http://schemas.microsoft.com/office/drawing/2014/main" id="{C37C763E-7246-D873-4C62-ED27E331FF84}"/>
               </a:ext>
             </a:extLst>
           </p:cNvPr>
@@ -13910,23 +13532,25 @@
         </p:nvSpPr>
         <p:spPr/>
         <p:txBody>
-          <a:bodyPr/>
+          <a:bodyPr>
+            <a:normAutofit/>
+          </a:bodyPr>
           <a:lstStyle/>
           <a:p>
             <a:r>
-              <a:rPr lang="en-US" altLang="zh-TW" cap="none" dirty="0"/>
-              <a:t>Explain What You Observed and Learned</a:t>
-            </a:r>
-            <a:endParaRPr lang="zh-TW" altLang="en-US" dirty="0"/>
-          </a:p>
-        </p:txBody>
-      </p:sp>
-      <p:sp>
-        <p:nvSpPr>
-          <p:cNvPr id="3" name="內容版面配置區 2">
-            <a:extLst>
-              <a:ext uri="{FF2B5EF4-FFF2-40B4-BE49-F238E27FC236}">
-                <a16:creationId xmlns:a16="http://schemas.microsoft.com/office/drawing/2014/main" id="{06BF8E9E-EB15-DC3A-0543-7B4FCA3AF318}"/>
+              <a:rPr lang="en-US" altLang="zh-TW" sz="4800" cap="none" dirty="0"/>
+              <a:t>Explain what problem you encountered and how you solved it</a:t>
+            </a:r>
+            <a:endParaRPr lang="zh-TW" altLang="en-US" sz="4800" cap="none" dirty="0"/>
+          </a:p>
+        </p:txBody>
+      </p:sp>
+      <p:sp>
+        <p:nvSpPr>
+          <p:cNvPr id="3" name="文字版面配置區 2">
+            <a:extLst>
+              <a:ext uri="{FF2B5EF4-FFF2-40B4-BE49-F238E27FC236}">
+                <a16:creationId xmlns:a16="http://schemas.microsoft.com/office/drawing/2014/main" id="{DE83B45A-ABF5-8175-157F-2E1FFB817DB6}"/>
               </a:ext>
             </a:extLst>
           </p:cNvPr>
@@ -13934,49 +13558,22 @@
             <a:spLocks noGrp="1"/>
           </p:cNvSpPr>
           <p:nvPr>
-            <p:ph idx="1"/>
+            <p:ph type="body" idx="1"/>
           </p:nvPr>
         </p:nvSpPr>
         <p:spPr/>
         <p:txBody>
-          <a:bodyPr anchor="ctr">
-            <a:normAutofit/>
-          </a:bodyPr>
+          <a:bodyPr/>
           <a:lstStyle/>
           <a:p>
-            <a:r>
-              <a:rPr lang="en-US" altLang="zh-TW" sz="2400" kern="100" dirty="0">
-                <a:effectLst/>
-                <a:latin typeface="Calibri" panose="020F0502020204030204" pitchFamily="34" charset="0"/>
-                <a:ea typeface="新細明體" panose="02020500000000000000" pitchFamily="18" charset="-120"/>
-                <a:cs typeface="Times New Roman" panose="02020603050405020304" pitchFamily="18" charset="0"/>
-              </a:rPr>
-              <a:t>In this lab, I learned to optimize a design in several ways, including lookup table, array partition, unroll, pipeline, and dataflow. </a:t>
-            </a:r>
-          </a:p>
-          <a:p>
-            <a:r>
-              <a:rPr lang="en-US" altLang="zh-TW" sz="2400" kern="100" dirty="0">
-                <a:effectLst/>
-                <a:latin typeface="Calibri" panose="020F0502020204030204" pitchFamily="34" charset="0"/>
-                <a:ea typeface="新細明體" panose="02020500000000000000" pitchFamily="18" charset="-120"/>
-                <a:cs typeface="Times New Roman" panose="02020603050405020304" pitchFamily="18" charset="0"/>
-              </a:rPr>
-              <a:t>I also learned how to transmit float data through streams.</a:t>
-            </a:r>
-            <a:endParaRPr lang="zh-TW" altLang="zh-TW" sz="2400" kern="100" dirty="0">
-              <a:effectLst/>
-              <a:latin typeface="Calibri" panose="020F0502020204030204" pitchFamily="34" charset="0"/>
-              <a:ea typeface="新細明體" panose="02020500000000000000" pitchFamily="18" charset="-120"/>
-              <a:cs typeface="Times New Roman" panose="02020603050405020304" pitchFamily="18" charset="0"/>
-            </a:endParaRPr>
+            <a:endParaRPr lang="zh-TW" altLang="en-US"/>
           </a:p>
         </p:txBody>
       </p:sp>
     </p:spTree>
     <p:extLst>
       <p:ext uri="{BB962C8B-B14F-4D97-AF65-F5344CB8AC3E}">
-        <p14:creationId xmlns:p14="http://schemas.microsoft.com/office/powerpoint/2010/main" val="1785207695"/>
+        <p14:creationId xmlns:p14="http://schemas.microsoft.com/office/powerpoint/2010/main" val="3886722169"/>
       </p:ext>
     </p:extLst>
   </p:cSld>
@@ -14008,7 +13605,7 @@
           <p:cNvPr id="2" name="標題 1">
             <a:extLst>
               <a:ext uri="{FF2B5EF4-FFF2-40B4-BE49-F238E27FC236}">
-                <a16:creationId xmlns:a16="http://schemas.microsoft.com/office/drawing/2014/main" id="{C37C763E-7246-D873-4C62-ED27E331FF84}"/>
+                <a16:creationId xmlns:a16="http://schemas.microsoft.com/office/drawing/2014/main" id="{03D5A19F-EBBB-B7E5-9725-B11CE59A1614}"/>
               </a:ext>
             </a:extLst>
           </p:cNvPr>
@@ -14019,7 +13616,54 @@
             <p:ph type="title"/>
           </p:nvPr>
         </p:nvSpPr>
-        <p:spPr/>
+        <p:spPr>
+          <a:xfrm>
+            <a:off x="1069760" y="585338"/>
+            <a:ext cx="9450280" cy="1485900"/>
+          </a:xfrm>
+        </p:spPr>
+        <p:txBody>
+          <a:bodyPr/>
+          <a:lstStyle/>
+          <a:p>
+            <a:r>
+              <a:rPr lang="en-US" altLang="zh-TW" dirty="0"/>
+              <a:t>PYNQ</a:t>
+            </a:r>
+            <a:r>
+              <a:rPr lang="zh-TW" altLang="en-US" dirty="0"/>
+              <a:t> </a:t>
+            </a:r>
+            <a:r>
+              <a:rPr lang="en-US" altLang="zh-TW" dirty="0"/>
+              <a:t>Demo failed for 1.5 days</a:t>
+            </a:r>
+            <a:endParaRPr lang="zh-TW" altLang="en-US" dirty="0"/>
+          </a:p>
+        </p:txBody>
+      </p:sp>
+      <p:sp>
+        <p:nvSpPr>
+          <p:cNvPr id="3" name="內容版面配置區 2">
+            <a:extLst>
+              <a:ext uri="{FF2B5EF4-FFF2-40B4-BE49-F238E27FC236}">
+                <a16:creationId xmlns:a16="http://schemas.microsoft.com/office/drawing/2014/main" id="{B1FAEBF5-1B39-C2EB-1E95-D161DA715794}"/>
+              </a:ext>
+            </a:extLst>
+          </p:cNvPr>
+          <p:cNvSpPr>
+            <a:spLocks noGrp="1"/>
+          </p:cNvSpPr>
+          <p:nvPr>
+            <p:ph idx="1"/>
+          </p:nvPr>
+        </p:nvSpPr>
+        <p:spPr>
+          <a:xfrm>
+            <a:off x="1371600" y="2285999"/>
+            <a:ext cx="7293006" cy="4239087"/>
+          </a:xfrm>
+        </p:spPr>
         <p:txBody>
           <a:bodyPr>
             <a:normAutofit/>
@@ -14027,42 +13671,74 @@
           <a:lstStyle/>
           <a:p>
             <a:r>
-              <a:rPr lang="en-US" altLang="zh-TW" sz="4800" cap="none" dirty="0"/>
-              <a:t>Explain what problem you encountered and how you solved it</a:t>
-            </a:r>
-            <a:endParaRPr lang="zh-TW" altLang="en-US" sz="4800" cap="none" dirty="0"/>
-          </a:p>
-        </p:txBody>
-      </p:sp>
-      <p:sp>
-        <p:nvSpPr>
-          <p:cNvPr id="3" name="文字版面配置區 2">
-            <a:extLst>
-              <a:ext uri="{FF2B5EF4-FFF2-40B4-BE49-F238E27FC236}">
-                <a16:creationId xmlns:a16="http://schemas.microsoft.com/office/drawing/2014/main" id="{DE83B45A-ABF5-8175-157F-2E1FFB817DB6}"/>
-              </a:ext>
-            </a:extLst>
-          </p:cNvPr>
-          <p:cNvSpPr>
-            <a:spLocks noGrp="1"/>
-          </p:cNvSpPr>
-          <p:nvPr>
-            <p:ph type="body" idx="1"/>
-          </p:nvPr>
-        </p:nvSpPr>
-        <p:spPr/>
-        <p:txBody>
-          <a:bodyPr/>
-          <a:lstStyle/>
-          <a:p>
-            <a:endParaRPr lang="zh-TW" altLang="en-US"/>
-          </a:p>
-        </p:txBody>
-      </p:sp>
+              <a:rPr lang="en-US" altLang="zh-TW" sz="2400" dirty="0"/>
+              <a:t>In the PYNQ Demo section, we are required to</a:t>
+            </a:r>
+          </a:p>
+          <a:p>
+            <a:pPr lvl="1"/>
+            <a:r>
+              <a:rPr lang="en-US" altLang="zh-TW" sz="2400" dirty="0"/>
+              <a:t>implement the result of streaming interface in the last question, </a:t>
+            </a:r>
+          </a:p>
+          <a:p>
+            <a:pPr lvl="1"/>
+            <a:r>
+              <a:rPr lang="en-US" altLang="zh-TW" sz="2400" dirty="0"/>
+              <a:t>change the streaming data type </a:t>
+            </a:r>
+          </a:p>
+          <a:p>
+            <a:pPr lvl="1"/>
+            <a:r>
+              <a:rPr lang="en-US" altLang="zh-TW" sz="2400" dirty="0"/>
+              <a:t>increase the problem size from 256 to 1024. </a:t>
+            </a:r>
+          </a:p>
+          <a:p>
+            <a:r>
+              <a:rPr lang="en-US" altLang="zh-TW" sz="2400" dirty="0"/>
+              <a:t>The reason of changing data type is that to send a stream of elements, we need to use specific structures for the elements. The structures are shown in the figure.</a:t>
+            </a:r>
+            <a:endParaRPr lang="zh-TW" altLang="en-US" sz="2400" dirty="0"/>
+          </a:p>
+        </p:txBody>
+      </p:sp>
+      <p:pic>
+        <p:nvPicPr>
+          <p:cNvPr id="4" name="圖片 3">
+            <a:extLst>
+              <a:ext uri="{FF2B5EF4-FFF2-40B4-BE49-F238E27FC236}">
+                <a16:creationId xmlns:a16="http://schemas.microsoft.com/office/drawing/2014/main" id="{FB042758-A36C-9EFF-1AA7-E09C510D5A64}"/>
+              </a:ext>
+            </a:extLst>
+          </p:cNvPr>
+          <p:cNvPicPr>
+            <a:picLocks noChangeAspect="1"/>
+          </p:cNvPicPr>
+          <p:nvPr/>
+        </p:nvPicPr>
+        <p:blipFill>
+          <a:blip r:embed="rId2"/>
+          <a:stretch>
+            <a:fillRect/>
+          </a:stretch>
+        </p:blipFill>
+        <p:spPr>
+          <a:xfrm>
+            <a:off x="8664606" y="832898"/>
+            <a:ext cx="3353721" cy="5906949"/>
+          </a:xfrm>
+          <a:prstGeom prst="rect">
+            <a:avLst/>
+          </a:prstGeom>
+        </p:spPr>
+      </p:pic>
     </p:spTree>
     <p:extLst>
       <p:ext uri="{BB962C8B-B14F-4D97-AF65-F5344CB8AC3E}">
-        <p14:creationId xmlns:p14="http://schemas.microsoft.com/office/powerpoint/2010/main" val="3886722169"/>
+        <p14:creationId xmlns:p14="http://schemas.microsoft.com/office/powerpoint/2010/main" val="2723144796"/>
       </p:ext>
     </p:extLst>
   </p:cSld>
@@ -14167,8 +13843,8 @@
           </a:p>
         </p:txBody>
       </p:sp>
-      <mc:AlternateContent xmlns:mc="http://schemas.openxmlformats.org/markup-compatibility/2006">
-        <mc:Choice xmlns:a14="http://schemas.microsoft.com/office/drawing/2010/main" Requires="a14">
+      <mc:AlternateContent xmlns:mc="http://schemas.openxmlformats.org/markup-compatibility/2006" xmlns:a14="http://schemas.microsoft.com/office/drawing/2010/main">
+        <mc:Choice Requires="a14">
           <p:sp>
             <p:nvSpPr>
               <p:cNvPr id="6" name="文字方塊 5">
@@ -14386,7 +14062,7 @@
             </p:txBody>
           </p:sp>
         </mc:Choice>
-        <mc:Fallback>
+        <mc:Fallback xmlns="">
           <p:sp>
             <p:nvSpPr>
               <p:cNvPr id="6" name="文字方塊 5">
@@ -14431,8 +14107,8 @@
           </p:sp>
         </mc:Fallback>
       </mc:AlternateContent>
-      <mc:AlternateContent xmlns:mc="http://schemas.openxmlformats.org/markup-compatibility/2006">
-        <mc:Choice xmlns:a14="http://schemas.microsoft.com/office/drawing/2010/main" Requires="a14">
+      <mc:AlternateContent xmlns:mc="http://schemas.openxmlformats.org/markup-compatibility/2006" xmlns:a14="http://schemas.microsoft.com/office/drawing/2010/main">
+        <mc:Choice Requires="a14">
           <p:sp>
             <p:nvSpPr>
               <p:cNvPr id="11" name="文字方塊 10">
@@ -14831,7 +14507,7 @@
             </p:txBody>
           </p:sp>
         </mc:Choice>
-        <mc:Fallback>
+        <mc:Fallback xmlns="">
           <p:sp>
             <p:nvSpPr>
               <p:cNvPr id="11" name="文字方塊 10">
@@ -14876,8 +14552,8 @@
           </p:sp>
         </mc:Fallback>
       </mc:AlternateContent>
-      <mc:AlternateContent xmlns:mc="http://schemas.openxmlformats.org/markup-compatibility/2006">
-        <mc:Choice xmlns:a14="http://schemas.microsoft.com/office/drawing/2010/main" Requires="a14">
+      <mc:AlternateContent xmlns:mc="http://schemas.openxmlformats.org/markup-compatibility/2006" xmlns:a14="http://schemas.microsoft.com/office/drawing/2010/main">
+        <mc:Choice Requires="a14">
           <p:sp>
             <p:nvSpPr>
               <p:cNvPr id="13" name="文字方塊 12">
@@ -15276,7 +14952,7 @@
             </p:txBody>
           </p:sp>
         </mc:Choice>
-        <mc:Fallback>
+        <mc:Fallback xmlns="">
           <p:sp>
             <p:nvSpPr>
               <p:cNvPr id="13" name="文字方塊 12">
@@ -15411,8 +15087,8 @@
         </p:nvSpPr>
         <p:spPr>
           <a:xfrm>
-            <a:off x="1371600" y="2285999"/>
-            <a:ext cx="7293006" cy="4239087"/>
+            <a:off x="1371600" y="1704513"/>
+            <a:ext cx="7293006" cy="4820573"/>
           </a:xfrm>
         </p:spPr>
         <p:txBody>
@@ -15423,36 +15099,36 @@
           <a:p>
             <a:r>
               <a:rPr lang="en-US" altLang="zh-TW" sz="2400" dirty="0"/>
-              <a:t>In the PYNQ Demo section, we are required to</a:t>
+              <a:t>In this way, the stream signals can be synthesized as shown in the figure below.</a:t>
+            </a:r>
+          </a:p>
+          <a:p>
+            <a:r>
+              <a:rPr lang="en-US" altLang="zh-TW" sz="2400" dirty="0"/>
+              <a:t>It contains necessary signals to use DMA. TLAST is a key signal that tells if the stream finishes sending or receiving elements.</a:t>
             </a:r>
           </a:p>
           <a:p>
             <a:pPr lvl="1"/>
             <a:r>
-              <a:rPr lang="en-US" altLang="zh-TW" sz="2400" dirty="0"/>
-              <a:t>implement the result of streaming interface in the last question, </a:t>
-            </a:r>
+              <a:rPr lang="en-US" altLang="zh-TW" sz="1800" kern="100" dirty="0">
+                <a:effectLst/>
+                <a:latin typeface="Calibri" panose="020F0502020204030204" pitchFamily="34" charset="0"/>
+                <a:ea typeface="新細明體" panose="02020500000000000000" pitchFamily="18" charset="-120"/>
+                <a:cs typeface="Times New Roman" panose="02020603050405020304" pitchFamily="18" charset="0"/>
+              </a:rPr>
+              <a:t>“last” of the last output element should be set to 1, others are set to 0.</a:t>
+            </a:r>
+            <a:endParaRPr lang="zh-TW" altLang="zh-TW" sz="1800" kern="100" dirty="0">
+              <a:effectLst/>
+              <a:latin typeface="Calibri" panose="020F0502020204030204" pitchFamily="34" charset="0"/>
+              <a:ea typeface="新細明體" panose="02020500000000000000" pitchFamily="18" charset="-120"/>
+              <a:cs typeface="Times New Roman" panose="02020603050405020304" pitchFamily="18" charset="0"/>
+            </a:endParaRPr>
           </a:p>
           <a:p>
             <a:pPr lvl="1"/>
-            <a:r>
-              <a:rPr lang="en-US" altLang="zh-TW" sz="2400" dirty="0"/>
-              <a:t>change the streaming data type </a:t>
-            </a:r>
-          </a:p>
-          <a:p>
-            <a:pPr lvl="1"/>
-            <a:r>
-              <a:rPr lang="en-US" altLang="zh-TW" sz="2400" dirty="0"/>
-              <a:t>increase the problem size from 256 to 1024. </a:t>
-            </a:r>
-          </a:p>
-          <a:p>
-            <a:r>
-              <a:rPr lang="en-US" altLang="zh-TW" sz="2400" dirty="0"/>
-              <a:t>The reason of changing data type is that to send a stream of elements, we need to use specific structures for the elements. The structures are shown in the figure.</a:t>
-            </a:r>
-            <a:endParaRPr lang="zh-TW" altLang="en-US" sz="2400" dirty="0"/>
+            <a:endParaRPr lang="en-US" altLang="zh-TW" sz="2400" dirty="0"/>
           </a:p>
         </p:txBody>
       </p:sp>
@@ -15486,10 +15162,196 @@
           </a:prstGeom>
         </p:spPr>
       </p:pic>
+      <p:pic>
+        <p:nvPicPr>
+          <p:cNvPr id="5" name="圖片 4">
+            <a:extLst>
+              <a:ext uri="{FF2B5EF4-FFF2-40B4-BE49-F238E27FC236}">
+                <a16:creationId xmlns:a16="http://schemas.microsoft.com/office/drawing/2014/main" id="{B916AA63-4B06-E925-4EB1-DD9DDF81C09F}"/>
+              </a:ext>
+            </a:extLst>
+          </p:cNvPr>
+          <p:cNvPicPr>
+            <a:picLocks noChangeAspect="1"/>
+          </p:cNvPicPr>
+          <p:nvPr/>
+        </p:nvPicPr>
+        <p:blipFill>
+          <a:blip r:embed="rId3"/>
+          <a:stretch>
+            <a:fillRect/>
+          </a:stretch>
+        </p:blipFill>
+        <p:spPr>
+          <a:xfrm>
+            <a:off x="1718479" y="4461544"/>
+            <a:ext cx="6599248" cy="2063542"/>
+          </a:xfrm>
+          <a:prstGeom prst="rect">
+            <a:avLst/>
+          </a:prstGeom>
+        </p:spPr>
+      </p:pic>
+      <p:sp>
+        <p:nvSpPr>
+          <p:cNvPr id="6" name="矩形: 圓角 5">
+            <a:extLst>
+              <a:ext uri="{FF2B5EF4-FFF2-40B4-BE49-F238E27FC236}">
+                <a16:creationId xmlns:a16="http://schemas.microsoft.com/office/drawing/2014/main" id="{B064B457-0A15-88C3-F75B-CAD46C1F7B31}"/>
+              </a:ext>
+            </a:extLst>
+          </p:cNvPr>
+          <p:cNvSpPr/>
+          <p:nvPr/>
+        </p:nvSpPr>
+        <p:spPr>
+          <a:xfrm>
+            <a:off x="5335480" y="4953739"/>
+            <a:ext cx="663605" cy="266331"/>
+          </a:xfrm>
+          <a:prstGeom prst="roundRect">
+            <a:avLst/>
+          </a:prstGeom>
+          <a:noFill/>
+          <a:ln>
+            <a:solidFill>
+              <a:srgbClr val="FFFF00"/>
+            </a:solidFill>
+          </a:ln>
+        </p:spPr>
+        <p:style>
+          <a:lnRef idx="2">
+            <a:schemeClr val="accent2">
+              <a:shade val="50000"/>
+            </a:schemeClr>
+          </a:lnRef>
+          <a:fillRef idx="1">
+            <a:schemeClr val="accent2"/>
+          </a:fillRef>
+          <a:effectRef idx="0">
+            <a:schemeClr val="accent2"/>
+          </a:effectRef>
+          <a:fontRef idx="minor">
+            <a:schemeClr val="lt1"/>
+          </a:fontRef>
+        </p:style>
+        <p:txBody>
+          <a:bodyPr rtlCol="0" anchor="ctr"/>
+          <a:lstStyle/>
+          <a:p>
+            <a:pPr algn="ctr"/>
+            <a:endParaRPr lang="zh-TW" altLang="en-US"/>
+          </a:p>
+        </p:txBody>
+      </p:sp>
+      <p:sp>
+        <p:nvSpPr>
+          <p:cNvPr id="7" name="矩形: 圓角 6">
+            <a:extLst>
+              <a:ext uri="{FF2B5EF4-FFF2-40B4-BE49-F238E27FC236}">
+                <a16:creationId xmlns:a16="http://schemas.microsoft.com/office/drawing/2014/main" id="{31350452-C590-3BB8-0650-63EFC08D3D11}"/>
+              </a:ext>
+            </a:extLst>
+          </p:cNvPr>
+          <p:cNvSpPr/>
+          <p:nvPr/>
+        </p:nvSpPr>
+        <p:spPr>
+          <a:xfrm>
+            <a:off x="10137281" y="2503501"/>
+            <a:ext cx="683119" cy="275209"/>
+          </a:xfrm>
+          <a:prstGeom prst="roundRect">
+            <a:avLst/>
+          </a:prstGeom>
+          <a:noFill/>
+          <a:ln>
+            <a:solidFill>
+              <a:srgbClr val="FFFF00"/>
+            </a:solidFill>
+          </a:ln>
+        </p:spPr>
+        <p:style>
+          <a:lnRef idx="2">
+            <a:schemeClr val="accent2">
+              <a:shade val="50000"/>
+            </a:schemeClr>
+          </a:lnRef>
+          <a:fillRef idx="1">
+            <a:schemeClr val="accent2"/>
+          </a:fillRef>
+          <a:effectRef idx="0">
+            <a:schemeClr val="accent2"/>
+          </a:effectRef>
+          <a:fontRef idx="minor">
+            <a:schemeClr val="lt1"/>
+          </a:fontRef>
+        </p:style>
+        <p:txBody>
+          <a:bodyPr rtlCol="0" anchor="ctr"/>
+          <a:lstStyle/>
+          <a:p>
+            <a:pPr algn="ctr"/>
+            <a:endParaRPr lang="zh-TW" altLang="en-US"/>
+          </a:p>
+        </p:txBody>
+      </p:sp>
+      <p:sp>
+        <p:nvSpPr>
+          <p:cNvPr id="8" name="矩形: 圓角 7">
+            <a:extLst>
+              <a:ext uri="{FF2B5EF4-FFF2-40B4-BE49-F238E27FC236}">
+                <a16:creationId xmlns:a16="http://schemas.microsoft.com/office/drawing/2014/main" id="{3E79E4B5-70EE-028A-F35A-B924A0111376}"/>
+              </a:ext>
+            </a:extLst>
+          </p:cNvPr>
+          <p:cNvSpPr/>
+          <p:nvPr/>
+        </p:nvSpPr>
+        <p:spPr>
+          <a:xfrm>
+            <a:off x="10131961" y="5594409"/>
+            <a:ext cx="683119" cy="275209"/>
+          </a:xfrm>
+          <a:prstGeom prst="roundRect">
+            <a:avLst/>
+          </a:prstGeom>
+          <a:noFill/>
+          <a:ln>
+            <a:solidFill>
+              <a:srgbClr val="FFFF00"/>
+            </a:solidFill>
+          </a:ln>
+        </p:spPr>
+        <p:style>
+          <a:lnRef idx="2">
+            <a:schemeClr val="accent2">
+              <a:shade val="50000"/>
+            </a:schemeClr>
+          </a:lnRef>
+          <a:fillRef idx="1">
+            <a:schemeClr val="accent2"/>
+          </a:fillRef>
+          <a:effectRef idx="0">
+            <a:schemeClr val="accent2"/>
+          </a:effectRef>
+          <a:fontRef idx="minor">
+            <a:schemeClr val="lt1"/>
+          </a:fontRef>
+        </p:style>
+        <p:txBody>
+          <a:bodyPr rtlCol="0" anchor="ctr"/>
+          <a:lstStyle/>
+          <a:p>
+            <a:pPr algn="ctr"/>
+            <a:endParaRPr lang="zh-TW" altLang="en-US"/>
+          </a:p>
+        </p:txBody>
+      </p:sp>
     </p:spTree>
     <p:extLst>
       <p:ext uri="{BB962C8B-B14F-4D97-AF65-F5344CB8AC3E}">
-        <p14:creationId xmlns:p14="http://schemas.microsoft.com/office/powerpoint/2010/main" val="2723144796"/>
+        <p14:creationId xmlns:p14="http://schemas.microsoft.com/office/powerpoint/2010/main" val="317004791"/>
       </p:ext>
     </p:extLst>
   </p:cSld>
@@ -15516,117 +15378,12 @@
           <a:chExt cx="0" cy="0"/>
         </a:xfrm>
       </p:grpSpPr>
-      <p:sp>
-        <p:nvSpPr>
-          <p:cNvPr id="2" name="標題 1">
-            <a:extLst>
-              <a:ext uri="{FF2B5EF4-FFF2-40B4-BE49-F238E27FC236}">
-                <a16:creationId xmlns:a16="http://schemas.microsoft.com/office/drawing/2014/main" id="{03D5A19F-EBBB-B7E5-9725-B11CE59A1614}"/>
-              </a:ext>
-            </a:extLst>
-          </p:cNvPr>
-          <p:cNvSpPr>
-            <a:spLocks noGrp="1"/>
-          </p:cNvSpPr>
-          <p:nvPr>
-            <p:ph type="title"/>
-          </p:nvPr>
-        </p:nvSpPr>
-        <p:spPr>
-          <a:xfrm>
-            <a:off x="1069760" y="585338"/>
-            <a:ext cx="9450280" cy="1485900"/>
-          </a:xfrm>
-        </p:spPr>
-        <p:txBody>
-          <a:bodyPr/>
-          <a:lstStyle/>
-          <a:p>
-            <a:r>
-              <a:rPr lang="en-US" altLang="zh-TW" dirty="0"/>
-              <a:t>PYNQ</a:t>
-            </a:r>
-            <a:r>
-              <a:rPr lang="zh-TW" altLang="en-US" dirty="0"/>
-              <a:t> </a:t>
-            </a:r>
-            <a:r>
-              <a:rPr lang="en-US" altLang="zh-TW" dirty="0"/>
-              <a:t>Demo failed for 1.5 days</a:t>
-            </a:r>
-            <a:endParaRPr lang="zh-TW" altLang="en-US" dirty="0"/>
-          </a:p>
-        </p:txBody>
-      </p:sp>
-      <p:sp>
-        <p:nvSpPr>
-          <p:cNvPr id="3" name="內容版面配置區 2">
-            <a:extLst>
-              <a:ext uri="{FF2B5EF4-FFF2-40B4-BE49-F238E27FC236}">
-                <a16:creationId xmlns:a16="http://schemas.microsoft.com/office/drawing/2014/main" id="{B1FAEBF5-1B39-C2EB-1E95-D161DA715794}"/>
-              </a:ext>
-            </a:extLst>
-          </p:cNvPr>
-          <p:cNvSpPr>
-            <a:spLocks noGrp="1"/>
-          </p:cNvSpPr>
-          <p:nvPr>
-            <p:ph idx="1"/>
-          </p:nvPr>
-        </p:nvSpPr>
-        <p:spPr>
-          <a:xfrm>
-            <a:off x="1371600" y="1704513"/>
-            <a:ext cx="7293006" cy="4820573"/>
-          </a:xfrm>
-        </p:spPr>
-        <p:txBody>
-          <a:bodyPr>
-            <a:normAutofit/>
-          </a:bodyPr>
-          <a:lstStyle/>
-          <a:p>
-            <a:r>
-              <a:rPr lang="en-US" altLang="zh-TW" sz="2400" dirty="0"/>
-              <a:t>In this way, the stream signals can be synthesized as shown in the figure below.</a:t>
-            </a:r>
-          </a:p>
-          <a:p>
-            <a:r>
-              <a:rPr lang="en-US" altLang="zh-TW" sz="2400" dirty="0"/>
-              <a:t>It contains necessary signals to use DMA. TLAST is a key signal that tells if the stream finishes sending or receiving elements.</a:t>
-            </a:r>
-          </a:p>
-          <a:p>
-            <a:pPr lvl="1"/>
-            <a:r>
-              <a:rPr lang="en-US" altLang="zh-TW" sz="1800" kern="100" dirty="0">
-                <a:effectLst/>
-                <a:latin typeface="Calibri" panose="020F0502020204030204" pitchFamily="34" charset="0"/>
-                <a:ea typeface="新細明體" panose="02020500000000000000" pitchFamily="18" charset="-120"/>
-                <a:cs typeface="Times New Roman" panose="02020603050405020304" pitchFamily="18" charset="0"/>
-              </a:rPr>
-              <a:t>“last” of the last output element should be set to 1, others are set to 0.</a:t>
-            </a:r>
-            <a:endParaRPr lang="zh-TW" altLang="zh-TW" sz="1800" kern="100" dirty="0">
-              <a:effectLst/>
-              <a:latin typeface="Calibri" panose="020F0502020204030204" pitchFamily="34" charset="0"/>
-              <a:ea typeface="新細明體" panose="02020500000000000000" pitchFamily="18" charset="-120"/>
-              <a:cs typeface="Times New Roman" panose="02020603050405020304" pitchFamily="18" charset="0"/>
-            </a:endParaRPr>
-          </a:p>
-          <a:p>
-            <a:pPr lvl="1"/>
-            <a:endParaRPr lang="en-US" altLang="zh-TW" sz="2400" dirty="0"/>
-          </a:p>
-        </p:txBody>
-      </p:sp>
       <p:pic>
         <p:nvPicPr>
-          <p:cNvPr id="4" name="圖片 3">
-            <a:extLst>
-              <a:ext uri="{FF2B5EF4-FFF2-40B4-BE49-F238E27FC236}">
-                <a16:creationId xmlns:a16="http://schemas.microsoft.com/office/drawing/2014/main" id="{FB042758-A36C-9EFF-1AA7-E09C510D5A64}"/>
+          <p:cNvPr id="9" name="圖片 8">
+            <a:extLst>
+              <a:ext uri="{FF2B5EF4-FFF2-40B4-BE49-F238E27FC236}">
+                <a16:creationId xmlns:a16="http://schemas.microsoft.com/office/drawing/2014/main" id="{48B6657A-3BCB-177B-61E6-22172E990C77}"/>
               </a:ext>
             </a:extLst>
           </p:cNvPr>
@@ -15643,44 +15400,95 @@
         </p:blipFill>
         <p:spPr>
           <a:xfrm>
-            <a:off x="8664606" y="832898"/>
-            <a:ext cx="3353721" cy="5906949"/>
+            <a:off x="9165625" y="2479495"/>
+            <a:ext cx="2396209" cy="1240249"/>
           </a:xfrm>
           <a:prstGeom prst="rect">
             <a:avLst/>
           </a:prstGeom>
         </p:spPr>
       </p:pic>
-      <p:pic>
-        <p:nvPicPr>
-          <p:cNvPr id="5" name="圖片 4">
-            <a:extLst>
-              <a:ext uri="{FF2B5EF4-FFF2-40B4-BE49-F238E27FC236}">
-                <a16:creationId xmlns:a16="http://schemas.microsoft.com/office/drawing/2014/main" id="{B916AA63-4B06-E925-4EB1-DD9DDF81C09F}"/>
-              </a:ext>
-            </a:extLst>
-          </p:cNvPr>
-          <p:cNvPicPr>
-            <a:picLocks noChangeAspect="1"/>
-          </p:cNvPicPr>
-          <p:nvPr/>
-        </p:nvPicPr>
-        <p:blipFill>
-          <a:blip r:embed="rId3"/>
-          <a:stretch>
-            <a:fillRect/>
-          </a:stretch>
-        </p:blipFill>
-        <p:spPr>
-          <a:xfrm>
-            <a:off x="1718479" y="4461544"/>
-            <a:ext cx="6599248" cy="2063542"/>
-          </a:xfrm>
-          <a:prstGeom prst="rect">
-            <a:avLst/>
-          </a:prstGeom>
-        </p:spPr>
-      </p:pic>
+      <p:sp>
+        <p:nvSpPr>
+          <p:cNvPr id="2" name="標題 1">
+            <a:extLst>
+              <a:ext uri="{FF2B5EF4-FFF2-40B4-BE49-F238E27FC236}">
+                <a16:creationId xmlns:a16="http://schemas.microsoft.com/office/drawing/2014/main" id="{03D5A19F-EBBB-B7E5-9725-B11CE59A1614}"/>
+              </a:ext>
+            </a:extLst>
+          </p:cNvPr>
+          <p:cNvSpPr>
+            <a:spLocks noGrp="1"/>
+          </p:cNvSpPr>
+          <p:nvPr>
+            <p:ph type="title"/>
+          </p:nvPr>
+        </p:nvSpPr>
+        <p:spPr/>
+        <p:txBody>
+          <a:bodyPr/>
+          <a:lstStyle/>
+          <a:p>
+            <a:r>
+              <a:rPr lang="en-US" altLang="zh-TW" dirty="0"/>
+              <a:t>PYNQ</a:t>
+            </a:r>
+            <a:r>
+              <a:rPr lang="zh-TW" altLang="en-US" dirty="0"/>
+              <a:t> </a:t>
+            </a:r>
+            <a:r>
+              <a:rPr lang="en-US" altLang="zh-TW" dirty="0"/>
+              <a:t>Demo failed for 1.5 days</a:t>
+            </a:r>
+            <a:endParaRPr lang="zh-TW" altLang="en-US" dirty="0"/>
+          </a:p>
+        </p:txBody>
+      </p:sp>
+      <p:sp>
+        <p:nvSpPr>
+          <p:cNvPr id="3" name="內容版面配置區 2">
+            <a:extLst>
+              <a:ext uri="{FF2B5EF4-FFF2-40B4-BE49-F238E27FC236}">
+                <a16:creationId xmlns:a16="http://schemas.microsoft.com/office/drawing/2014/main" id="{B1FAEBF5-1B39-C2EB-1E95-D161DA715794}"/>
+              </a:ext>
+            </a:extLst>
+          </p:cNvPr>
+          <p:cNvSpPr>
+            <a:spLocks noGrp="1"/>
+          </p:cNvSpPr>
+          <p:nvPr>
+            <p:ph idx="1"/>
+          </p:nvPr>
+        </p:nvSpPr>
+        <p:spPr>
+          <a:xfrm>
+            <a:off x="1371600" y="2286000"/>
+            <a:ext cx="7142085" cy="3581400"/>
+          </a:xfrm>
+        </p:spPr>
+        <p:txBody>
+          <a:bodyPr>
+            <a:normAutofit/>
+          </a:bodyPr>
+          <a:lstStyle/>
+          <a:p>
+            <a:r>
+              <a:rPr lang="en-US" altLang="zh-TW" sz="2400" dirty="0"/>
+              <a:t>However, in this lab, we need to transfer float data rather than integer through the stream, so the tutorial asks us to construct a structure as shown in the figure.</a:t>
+            </a:r>
+            <a:r>
+              <a:rPr lang="zh-TW" altLang="en-US" sz="2400" dirty="0"/>
+              <a:t> </a:t>
+            </a:r>
+            <a:r>
+              <a:rPr lang="en-US" altLang="zh-TW" sz="2400" dirty="0"/>
+              <a:t>After synthesis, the stream signals are shown in the table below.</a:t>
+            </a:r>
+            <a:endParaRPr lang="zh-TW" altLang="en-US" sz="2400" dirty="0"/>
+          </a:p>
+        </p:txBody>
+      </p:sp>
       <p:sp>
         <p:nvSpPr>
           <p:cNvPr id="6" name="矩形: 圓角 5">
@@ -15695,7 +15503,7 @@
         </p:nvSpPr>
         <p:spPr>
           <a:xfrm>
-            <a:off x="5335480" y="4953739"/>
+            <a:off x="10738431" y="3182644"/>
             <a:ext cx="663605" cy="266331"/>
           </a:xfrm>
           <a:prstGeom prst="roundRect">
@@ -15733,114 +15541,40 @@
           </a:p>
         </p:txBody>
       </p:sp>
-      <p:sp>
-        <p:nvSpPr>
-          <p:cNvPr id="7" name="矩形: 圓角 6">
-            <a:extLst>
-              <a:ext uri="{FF2B5EF4-FFF2-40B4-BE49-F238E27FC236}">
-                <a16:creationId xmlns:a16="http://schemas.microsoft.com/office/drawing/2014/main" id="{31350452-C590-3BB8-0650-63EFC08D3D11}"/>
-              </a:ext>
-            </a:extLst>
-          </p:cNvPr>
-          <p:cNvSpPr/>
+      <p:pic>
+        <p:nvPicPr>
+          <p:cNvPr id="10" name="圖片 9">
+            <a:extLst>
+              <a:ext uri="{FF2B5EF4-FFF2-40B4-BE49-F238E27FC236}">
+                <a16:creationId xmlns:a16="http://schemas.microsoft.com/office/drawing/2014/main" id="{34E7C865-6048-18C6-E5ED-6C26C6414465}"/>
+              </a:ext>
+            </a:extLst>
+          </p:cNvPr>
+          <p:cNvPicPr>
+            <a:picLocks noChangeAspect="1"/>
+          </p:cNvPicPr>
           <p:nvPr/>
-        </p:nvSpPr>
-        <p:spPr>
-          <a:xfrm>
-            <a:off x="10137281" y="2503501"/>
-            <a:ext cx="683119" cy="275209"/>
-          </a:xfrm>
-          <a:prstGeom prst="roundRect">
+        </p:nvPicPr>
+        <p:blipFill>
+          <a:blip r:embed="rId3"/>
+          <a:stretch>
+            <a:fillRect/>
+          </a:stretch>
+        </p:blipFill>
+        <p:spPr>
+          <a:xfrm>
+            <a:off x="1896935" y="4342400"/>
+            <a:ext cx="5222955" cy="2118323"/>
+          </a:xfrm>
+          <a:prstGeom prst="rect">
             <a:avLst/>
           </a:prstGeom>
-          <a:noFill/>
-          <a:ln>
-            <a:solidFill>
-              <a:srgbClr val="FFFF00"/>
-            </a:solidFill>
-          </a:ln>
-        </p:spPr>
-        <p:style>
-          <a:lnRef idx="2">
-            <a:schemeClr val="accent2">
-              <a:shade val="50000"/>
-            </a:schemeClr>
-          </a:lnRef>
-          <a:fillRef idx="1">
-            <a:schemeClr val="accent2"/>
-          </a:fillRef>
-          <a:effectRef idx="0">
-            <a:schemeClr val="accent2"/>
-          </a:effectRef>
-          <a:fontRef idx="minor">
-            <a:schemeClr val="lt1"/>
-          </a:fontRef>
-        </p:style>
-        <p:txBody>
-          <a:bodyPr rtlCol="0" anchor="ctr"/>
-          <a:lstStyle/>
-          <a:p>
-            <a:pPr algn="ctr"/>
-            <a:endParaRPr lang="zh-TW" altLang="en-US"/>
-          </a:p>
-        </p:txBody>
-      </p:sp>
-      <p:sp>
-        <p:nvSpPr>
-          <p:cNvPr id="8" name="矩形: 圓角 7">
-            <a:extLst>
-              <a:ext uri="{FF2B5EF4-FFF2-40B4-BE49-F238E27FC236}">
-                <a16:creationId xmlns:a16="http://schemas.microsoft.com/office/drawing/2014/main" id="{3E79E4B5-70EE-028A-F35A-B924A0111376}"/>
-              </a:ext>
-            </a:extLst>
-          </p:cNvPr>
-          <p:cNvSpPr/>
-          <p:nvPr/>
-        </p:nvSpPr>
-        <p:spPr>
-          <a:xfrm>
-            <a:off x="10131961" y="5594409"/>
-            <a:ext cx="683119" cy="275209"/>
-          </a:xfrm>
-          <a:prstGeom prst="roundRect">
-            <a:avLst/>
-          </a:prstGeom>
-          <a:noFill/>
-          <a:ln>
-            <a:solidFill>
-              <a:srgbClr val="FFFF00"/>
-            </a:solidFill>
-          </a:ln>
-        </p:spPr>
-        <p:style>
-          <a:lnRef idx="2">
-            <a:schemeClr val="accent2">
-              <a:shade val="50000"/>
-            </a:schemeClr>
-          </a:lnRef>
-          <a:fillRef idx="1">
-            <a:schemeClr val="accent2"/>
-          </a:fillRef>
-          <a:effectRef idx="0">
-            <a:schemeClr val="accent2"/>
-          </a:effectRef>
-          <a:fontRef idx="minor">
-            <a:schemeClr val="lt1"/>
-          </a:fontRef>
-        </p:style>
-        <p:txBody>
-          <a:bodyPr rtlCol="0" anchor="ctr"/>
-          <a:lstStyle/>
-          <a:p>
-            <a:pPr algn="ctr"/>
-            <a:endParaRPr lang="zh-TW" altLang="en-US"/>
-          </a:p>
-        </p:txBody>
-      </p:sp>
+        </p:spPr>
+      </p:pic>
     </p:spTree>
     <p:extLst>
       <p:ext uri="{BB962C8B-B14F-4D97-AF65-F5344CB8AC3E}">
-        <p14:creationId xmlns:p14="http://schemas.microsoft.com/office/powerpoint/2010/main" val="317004791"/>
+        <p14:creationId xmlns:p14="http://schemas.microsoft.com/office/powerpoint/2010/main" val="2894802373"/>
       </p:ext>
     </p:extLst>
   </p:cSld>
@@ -15867,36 +15601,6 @@
           <a:chExt cx="0" cy="0"/>
         </a:xfrm>
       </p:grpSpPr>
-      <p:pic>
-        <p:nvPicPr>
-          <p:cNvPr id="9" name="圖片 8">
-            <a:extLst>
-              <a:ext uri="{FF2B5EF4-FFF2-40B4-BE49-F238E27FC236}">
-                <a16:creationId xmlns:a16="http://schemas.microsoft.com/office/drawing/2014/main" id="{48B6657A-3BCB-177B-61E6-22172E990C77}"/>
-              </a:ext>
-            </a:extLst>
-          </p:cNvPr>
-          <p:cNvPicPr>
-            <a:picLocks noChangeAspect="1"/>
-          </p:cNvPicPr>
-          <p:nvPr/>
-        </p:nvPicPr>
-        <p:blipFill>
-          <a:blip r:embed="rId2"/>
-          <a:stretch>
-            <a:fillRect/>
-          </a:stretch>
-        </p:blipFill>
-        <p:spPr>
-          <a:xfrm>
-            <a:off x="9165625" y="2479495"/>
-            <a:ext cx="2396209" cy="1240249"/>
-          </a:xfrm>
-          <a:prstGeom prst="rect">
-            <a:avLst/>
-          </a:prstGeom>
-        </p:spPr>
-      </p:pic>
       <p:sp>
         <p:nvSpPr>
           <p:cNvPr id="2" name="標題 1">
@@ -15953,7 +15657,7 @@
         <p:spPr>
           <a:xfrm>
             <a:off x="1371600" y="2286000"/>
-            <a:ext cx="7142085" cy="3581400"/>
+            <a:ext cx="9601200" cy="4265720"/>
           </a:xfrm>
         </p:spPr>
         <p:txBody>
@@ -15964,106 +15668,44 @@
           <a:p>
             <a:r>
               <a:rPr lang="en-US" altLang="zh-TW" sz="2400" dirty="0"/>
-              <a:t>However, in this lab, we need to transfer float data rather than integer through the stream, so the tutorial asks us to construct a structure as shown in the figure.</a:t>
-            </a:r>
-            <a:r>
-              <a:rPr lang="zh-TW" altLang="en-US" sz="2400" dirty="0"/>
-              <a:t> </a:t>
-            </a:r>
+              <a:t>We can see that even though we have added “last” in the struct, TLAST is still gone. </a:t>
+            </a:r>
+          </a:p>
+          <a:p>
             <a:r>
               <a:rPr lang="en-US" altLang="zh-TW" sz="2400" dirty="0"/>
-              <a:t>After synthesis, the stream signals are shown in the table below.</a:t>
+              <a:t>What would happen if TLAST is gone? After we export IP, add it in the block diagram of </a:t>
+            </a:r>
+            <a:r>
+              <a:rPr lang="en-US" altLang="zh-TW" sz="2400" dirty="0" err="1"/>
+              <a:t>Vivado</a:t>
+            </a:r>
+            <a:r>
+              <a:rPr lang="en-US" altLang="zh-TW" sz="2400" dirty="0"/>
+              <a:t>, and then create wrapper, it will raise critical warning that TLAST in the DMA is not connected. If we run the bit file on </a:t>
+            </a:r>
+            <a:r>
+              <a:rPr lang="en-US" altLang="zh-TW" sz="2400" dirty="0" err="1"/>
+              <a:t>Jupyter</a:t>
+            </a:r>
+            <a:r>
+              <a:rPr lang="en-US" altLang="zh-TW" sz="2400" dirty="0"/>
+              <a:t>, the stream will get stuck there, since it doesn’t know if the stream is done. </a:t>
+            </a:r>
+          </a:p>
+          <a:p>
+            <a:r>
+              <a:rPr lang="en-US" altLang="zh-TW" sz="2400" dirty="0"/>
+              <a:t>After I tried several methods and searched on the internet, I found nothing helpful. In the end, when I was writing this report, I found that the size of TDATA in the above figure becomes 64, which means that the “last” is inside it.</a:t>
             </a:r>
             <a:endParaRPr lang="zh-TW" altLang="en-US" sz="2400" dirty="0"/>
           </a:p>
         </p:txBody>
       </p:sp>
-      <p:sp>
-        <p:nvSpPr>
-          <p:cNvPr id="6" name="矩形: 圓角 5">
-            <a:extLst>
-              <a:ext uri="{FF2B5EF4-FFF2-40B4-BE49-F238E27FC236}">
-                <a16:creationId xmlns:a16="http://schemas.microsoft.com/office/drawing/2014/main" id="{B064B457-0A15-88C3-F75B-CAD46C1F7B31}"/>
-              </a:ext>
-            </a:extLst>
-          </p:cNvPr>
-          <p:cNvSpPr/>
-          <p:nvPr/>
-        </p:nvSpPr>
-        <p:spPr>
-          <a:xfrm>
-            <a:off x="10738431" y="3182644"/>
-            <a:ext cx="663605" cy="266331"/>
-          </a:xfrm>
-          <a:prstGeom prst="roundRect">
-            <a:avLst/>
-          </a:prstGeom>
-          <a:noFill/>
-          <a:ln>
-            <a:solidFill>
-              <a:srgbClr val="FFFF00"/>
-            </a:solidFill>
-          </a:ln>
-        </p:spPr>
-        <p:style>
-          <a:lnRef idx="2">
-            <a:schemeClr val="accent2">
-              <a:shade val="50000"/>
-            </a:schemeClr>
-          </a:lnRef>
-          <a:fillRef idx="1">
-            <a:schemeClr val="accent2"/>
-          </a:fillRef>
-          <a:effectRef idx="0">
-            <a:schemeClr val="accent2"/>
-          </a:effectRef>
-          <a:fontRef idx="minor">
-            <a:schemeClr val="lt1"/>
-          </a:fontRef>
-        </p:style>
-        <p:txBody>
-          <a:bodyPr rtlCol="0" anchor="ctr"/>
-          <a:lstStyle/>
-          <a:p>
-            <a:pPr algn="ctr"/>
-            <a:endParaRPr lang="zh-TW" altLang="en-US"/>
-          </a:p>
-        </p:txBody>
-      </p:sp>
-      <p:pic>
-        <p:nvPicPr>
-          <p:cNvPr id="10" name="圖片 9">
-            <a:extLst>
-              <a:ext uri="{FF2B5EF4-FFF2-40B4-BE49-F238E27FC236}">
-                <a16:creationId xmlns:a16="http://schemas.microsoft.com/office/drawing/2014/main" id="{34E7C865-6048-18C6-E5ED-6C26C6414465}"/>
-              </a:ext>
-            </a:extLst>
-          </p:cNvPr>
-          <p:cNvPicPr>
-            <a:picLocks noChangeAspect="1"/>
-          </p:cNvPicPr>
-          <p:nvPr/>
-        </p:nvPicPr>
-        <p:blipFill>
-          <a:blip r:embed="rId3"/>
-          <a:stretch>
-            <a:fillRect/>
-          </a:stretch>
-        </p:blipFill>
-        <p:spPr>
-          <a:xfrm>
-            <a:off x="1896935" y="4342400"/>
-            <a:ext cx="5222955" cy="2118323"/>
-          </a:xfrm>
-          <a:prstGeom prst="rect">
-            <a:avLst/>
-          </a:prstGeom>
-        </p:spPr>
-      </p:pic>
     </p:spTree>
     <p:extLst>
       <p:ext uri="{BB962C8B-B14F-4D97-AF65-F5344CB8AC3E}">
-        <p14:creationId xmlns:p14="http://schemas.microsoft.com/office/powerpoint/2010/main" val="2894802373"/>
+        <p14:creationId xmlns:p14="http://schemas.microsoft.com/office/powerpoint/2010/main" val="722507855"/>
       </p:ext>
     </p:extLst>
   </p:cSld>
@@ -16145,8 +15787,8 @@
         </p:nvSpPr>
         <p:spPr>
           <a:xfrm>
-            <a:off x="1371600" y="2286000"/>
-            <a:ext cx="9601200" cy="4265720"/>
+            <a:off x="1371599" y="1855432"/>
+            <a:ext cx="10187126" cy="4749553"/>
           </a:xfrm>
         </p:spPr>
         <p:txBody>
@@ -16157,13 +15799,7 @@
           <a:p>
             <a:r>
               <a:rPr lang="en-US" altLang="zh-TW" sz="2400" dirty="0"/>
-              <a:t>We can see that even though we have added “last” in the struct, TLAST is still gone. </a:t>
-            </a:r>
-          </a:p>
-          <a:p>
-            <a:r>
-              <a:rPr lang="en-US" altLang="zh-TW" sz="2400" dirty="0"/>
-              <a:t>What would happen if TLAST is gone? After we export IP, add it in the block diagram of </a:t>
+              <a:t>Therefore, when I connect the block diagram in </a:t>
             </a:r>
             <a:r>
               <a:rPr lang="en-US" altLang="zh-TW" sz="2400" dirty="0" err="1"/>
@@ -16171,30 +15807,46 @@
             </a:r>
             <a:r>
               <a:rPr lang="en-US" altLang="zh-TW" sz="2400" dirty="0"/>
-              <a:t>, and then create wrapper, it will raise critical warning that TLAST in the DMA is not connected. If we run the bit file on </a:t>
-            </a:r>
-            <a:r>
-              <a:rPr lang="en-US" altLang="zh-TW" sz="2400" dirty="0" err="1"/>
-              <a:t>Jupyter</a:t>
-            </a:r>
-            <a:r>
-              <a:rPr lang="en-US" altLang="zh-TW" sz="2400" dirty="0"/>
-              <a:t>, the stream will get stuck there, since it doesn’t know if the stream is done. </a:t>
-            </a:r>
-          </a:p>
-          <a:p>
-            <a:r>
-              <a:rPr lang="en-US" altLang="zh-TW" sz="2400" dirty="0"/>
-              <a:t>After I tried several methods and searched on the internet, I found nothing helpful. In the end, when I was writing this report, I found that the size of TDATA in the above figure becomes 64, which means that the “last” is inside it.</a:t>
+              <a:t>, I split the TDATA[64:0] into TDATA[32] and TDATA[31:0], corresponding to “last” and “data” respectively (variables in a structure are arranged from lower bit field to higher bit filed). In this way, we can get the correct bit file. </a:t>
             </a:r>
             <a:endParaRPr lang="zh-TW" altLang="en-US" sz="2400" dirty="0"/>
           </a:p>
         </p:txBody>
       </p:sp>
+      <p:pic>
+        <p:nvPicPr>
+          <p:cNvPr id="4" name="圖片 3">
+            <a:extLst>
+              <a:ext uri="{FF2B5EF4-FFF2-40B4-BE49-F238E27FC236}">
+                <a16:creationId xmlns:a16="http://schemas.microsoft.com/office/drawing/2014/main" id="{F5A32165-2F10-C9C6-936D-32EBC7562833}"/>
+              </a:ext>
+            </a:extLst>
+          </p:cNvPr>
+          <p:cNvPicPr>
+            <a:picLocks noChangeAspect="1"/>
+          </p:cNvPicPr>
+          <p:nvPr/>
+        </p:nvPicPr>
+        <p:blipFill>
+          <a:blip r:embed="rId2"/>
+          <a:stretch>
+            <a:fillRect/>
+          </a:stretch>
+        </p:blipFill>
+        <p:spPr>
+          <a:xfrm>
+            <a:off x="1181067" y="3429000"/>
+            <a:ext cx="10568191" cy="3429000"/>
+          </a:xfrm>
+          <a:prstGeom prst="rect">
+            <a:avLst/>
+          </a:prstGeom>
+        </p:spPr>
+      </p:pic>
     </p:spTree>
     <p:extLst>
       <p:ext uri="{BB962C8B-B14F-4D97-AF65-F5344CB8AC3E}">
-        <p14:creationId xmlns:p14="http://schemas.microsoft.com/office/powerpoint/2010/main" val="722507855"/>
+        <p14:creationId xmlns:p14="http://schemas.microsoft.com/office/powerpoint/2010/main" val="666899848"/>
       </p:ext>
     </p:extLst>
   </p:cSld>
@@ -16244,70 +15896,18 @@
           <a:p>
             <a:r>
               <a:rPr lang="en-US" altLang="zh-TW" dirty="0"/>
-              <a:t>PYNQ</a:t>
-            </a:r>
-            <a:r>
-              <a:rPr lang="zh-TW" altLang="en-US" dirty="0"/>
-              <a:t> </a:t>
-            </a:r>
-            <a:r>
-              <a:rPr lang="en-US" altLang="zh-TW" dirty="0"/>
-              <a:t>Demo failed for 1.5 days</a:t>
+              <a:t>The python code they provide is too old</a:t>
             </a:r>
             <a:endParaRPr lang="zh-TW" altLang="en-US" dirty="0"/>
-          </a:p>
-        </p:txBody>
-      </p:sp>
-      <p:sp>
-        <p:nvSpPr>
-          <p:cNvPr id="3" name="內容版面配置區 2">
-            <a:extLst>
-              <a:ext uri="{FF2B5EF4-FFF2-40B4-BE49-F238E27FC236}">
-                <a16:creationId xmlns:a16="http://schemas.microsoft.com/office/drawing/2014/main" id="{B1FAEBF5-1B39-C2EB-1E95-D161DA715794}"/>
-              </a:ext>
-            </a:extLst>
-          </p:cNvPr>
-          <p:cNvSpPr>
-            <a:spLocks noGrp="1"/>
-          </p:cNvSpPr>
-          <p:nvPr>
-            <p:ph idx="1"/>
-          </p:nvPr>
-        </p:nvSpPr>
-        <p:spPr>
-          <a:xfrm>
-            <a:off x="1371599" y="1855432"/>
-            <a:ext cx="10187126" cy="4749553"/>
-          </a:xfrm>
-        </p:spPr>
-        <p:txBody>
-          <a:bodyPr>
-            <a:normAutofit/>
-          </a:bodyPr>
-          <a:lstStyle/>
-          <a:p>
-            <a:r>
-              <a:rPr lang="en-US" altLang="zh-TW" sz="2400" dirty="0"/>
-              <a:t>Therefore, when I connect the block diagram in </a:t>
-            </a:r>
-            <a:r>
-              <a:rPr lang="en-US" altLang="zh-TW" sz="2400" dirty="0" err="1"/>
-              <a:t>Vivado</a:t>
-            </a:r>
-            <a:r>
-              <a:rPr lang="en-US" altLang="zh-TW" sz="2400" dirty="0"/>
-              <a:t>, I split the TDATA[64:0] into TDATA[32] and TDATA[31:0], corresponding to “last” and “data” respectively (variables in a structure are arranged from lower bit field to higher bit filed). In this way, we can get the correct bit file. </a:t>
-            </a:r>
-            <a:endParaRPr lang="zh-TW" altLang="en-US" sz="2400" dirty="0"/>
           </a:p>
         </p:txBody>
       </p:sp>
       <p:pic>
         <p:nvPicPr>
-          <p:cNvPr id="4" name="圖片 3">
-            <a:extLst>
-              <a:ext uri="{FF2B5EF4-FFF2-40B4-BE49-F238E27FC236}">
-                <a16:creationId xmlns:a16="http://schemas.microsoft.com/office/drawing/2014/main" id="{F5A32165-2F10-C9C6-936D-32EBC7562833}"/>
+          <p:cNvPr id="9" name="圖片 8">
+            <a:extLst>
+              <a:ext uri="{FF2B5EF4-FFF2-40B4-BE49-F238E27FC236}">
+                <a16:creationId xmlns:a16="http://schemas.microsoft.com/office/drawing/2014/main" id="{21474D63-C460-A72C-E24F-D2CF05978FA6}"/>
               </a:ext>
             </a:extLst>
           </p:cNvPr>
@@ -16324,18 +15924,158 @@
         </p:blipFill>
         <p:spPr>
           <a:xfrm>
-            <a:off x="1181067" y="3429000"/>
-            <a:ext cx="10568191" cy="3429000"/>
+            <a:off x="1331015" y="1806014"/>
+            <a:ext cx="3673482" cy="365686"/>
           </a:xfrm>
           <a:prstGeom prst="rect">
             <a:avLst/>
           </a:prstGeom>
         </p:spPr>
       </p:pic>
+      <p:pic>
+        <p:nvPicPr>
+          <p:cNvPr id="10" name="內容版面配置區 9">
+            <a:extLst>
+              <a:ext uri="{FF2B5EF4-FFF2-40B4-BE49-F238E27FC236}">
+                <a16:creationId xmlns:a16="http://schemas.microsoft.com/office/drawing/2014/main" id="{F3C8C5FE-18A1-9186-D4C2-0CD80301D99E}"/>
+              </a:ext>
+            </a:extLst>
+          </p:cNvPr>
+          <p:cNvPicPr>
+            <a:picLocks noGrp="1" noChangeAspect="1"/>
+          </p:cNvPicPr>
+          <p:nvPr>
+            <p:ph sz="half" idx="2"/>
+          </p:nvPr>
+        </p:nvPicPr>
+        <p:blipFill>
+          <a:blip r:embed="rId3"/>
+          <a:stretch>
+            <a:fillRect/>
+          </a:stretch>
+        </p:blipFill>
+        <p:spPr>
+          <a:xfrm>
+            <a:off x="1371600" y="2263187"/>
+            <a:ext cx="7265794" cy="1485899"/>
+          </a:xfrm>
+          <a:prstGeom prst="rect">
+            <a:avLst/>
+          </a:prstGeom>
+        </p:spPr>
+      </p:pic>
+      <p:pic>
+        <p:nvPicPr>
+          <p:cNvPr id="11" name="圖片 10">
+            <a:extLst>
+              <a:ext uri="{FF2B5EF4-FFF2-40B4-BE49-F238E27FC236}">
+                <a16:creationId xmlns:a16="http://schemas.microsoft.com/office/drawing/2014/main" id="{BD1F9C49-0047-A0AE-7926-4908F2057C0E}"/>
+              </a:ext>
+            </a:extLst>
+          </p:cNvPr>
+          <p:cNvPicPr>
+            <a:picLocks noChangeAspect="1"/>
+          </p:cNvPicPr>
+          <p:nvPr/>
+        </p:nvPicPr>
+        <p:blipFill>
+          <a:blip r:embed="rId4"/>
+          <a:stretch>
+            <a:fillRect/>
+          </a:stretch>
+        </p:blipFill>
+        <p:spPr>
+          <a:xfrm>
+            <a:off x="1371601" y="4947194"/>
+            <a:ext cx="3076113" cy="373528"/>
+          </a:xfrm>
+          <a:prstGeom prst="rect">
+            <a:avLst/>
+          </a:prstGeom>
+        </p:spPr>
+      </p:pic>
+      <p:pic>
+        <p:nvPicPr>
+          <p:cNvPr id="12" name="內容版面配置區 11">
+            <a:extLst>
+              <a:ext uri="{FF2B5EF4-FFF2-40B4-BE49-F238E27FC236}">
+                <a16:creationId xmlns:a16="http://schemas.microsoft.com/office/drawing/2014/main" id="{6F8CF819-1E2A-96C2-3D63-4F61E8A89A88}"/>
+              </a:ext>
+            </a:extLst>
+          </p:cNvPr>
+          <p:cNvPicPr>
+            <a:picLocks noGrp="1" noChangeAspect="1"/>
+          </p:cNvPicPr>
+          <p:nvPr>
+            <p:ph sz="quarter" idx="4"/>
+          </p:nvPr>
+        </p:nvPicPr>
+        <p:blipFill>
+          <a:blip r:embed="rId5"/>
+          <a:stretch>
+            <a:fillRect/>
+          </a:stretch>
+        </p:blipFill>
+        <p:spPr>
+          <a:xfrm>
+            <a:off x="1398557" y="5320721"/>
+            <a:ext cx="7081613" cy="1195303"/>
+          </a:xfrm>
+          <a:prstGeom prst="rect">
+            <a:avLst/>
+          </a:prstGeom>
+        </p:spPr>
+      </p:pic>
+      <p:sp>
+        <p:nvSpPr>
+          <p:cNvPr id="13" name="箭號: 向下 12">
+            <a:extLst>
+              <a:ext uri="{FF2B5EF4-FFF2-40B4-BE49-F238E27FC236}">
+                <a16:creationId xmlns:a16="http://schemas.microsoft.com/office/drawing/2014/main" id="{BE576188-369E-D4DD-B965-29F923BB9AEF}"/>
+              </a:ext>
+            </a:extLst>
+          </p:cNvPr>
+          <p:cNvSpPr/>
+          <p:nvPr/>
+        </p:nvSpPr>
+        <p:spPr>
+          <a:xfrm>
+            <a:off x="4447714" y="3950563"/>
+            <a:ext cx="701335" cy="825623"/>
+          </a:xfrm>
+          <a:prstGeom prst="downArrow">
+            <a:avLst/>
+          </a:prstGeom>
+        </p:spPr>
+        <p:style>
+          <a:lnRef idx="2">
+            <a:schemeClr val="accent1">
+              <a:shade val="50000"/>
+            </a:schemeClr>
+          </a:lnRef>
+          <a:fillRef idx="1">
+            <a:schemeClr val="accent1"/>
+          </a:fillRef>
+          <a:effectRef idx="0">
+            <a:schemeClr val="accent1"/>
+          </a:effectRef>
+          <a:fontRef idx="minor">
+            <a:schemeClr val="lt1"/>
+          </a:fontRef>
+        </p:style>
+        <p:txBody>
+          <a:bodyPr rtlCol="0" anchor="ctr"/>
+          <a:lstStyle/>
+          <a:p>
+            <a:pPr algn="ctr"/>
+            <a:endParaRPr lang="zh-TW" altLang="en-US"/>
+          </a:p>
+        </p:txBody>
+      </p:sp>
     </p:spTree>
     <p:extLst>
       <p:ext uri="{BB962C8B-B14F-4D97-AF65-F5344CB8AC3E}">
-        <p14:creationId xmlns:p14="http://schemas.microsoft.com/office/powerpoint/2010/main" val="666899848"/>
+        <p14:creationId xmlns:p14="http://schemas.microsoft.com/office/powerpoint/2010/main" val="61773487"/>
       </p:ext>
     </p:extLst>
   </p:cSld>
@@ -16367,7 +16107,7 @@
           <p:cNvPr id="2" name="標題 1">
             <a:extLst>
               <a:ext uri="{FF2B5EF4-FFF2-40B4-BE49-F238E27FC236}">
-                <a16:creationId xmlns:a16="http://schemas.microsoft.com/office/drawing/2014/main" id="{03D5A19F-EBBB-B7E5-9725-B11CE59A1614}"/>
+                <a16:creationId xmlns:a16="http://schemas.microsoft.com/office/drawing/2014/main" id="{714F7A52-9BE8-1D16-950A-A892742053A1}"/>
               </a:ext>
             </a:extLst>
           </p:cNvPr>
@@ -16380,183 +16120,47 @@
         </p:nvSpPr>
         <p:spPr/>
         <p:txBody>
+          <a:bodyPr>
+            <a:normAutofit/>
+          </a:bodyPr>
+          <a:lstStyle/>
+          <a:p>
+            <a:r>
+              <a:rPr lang="en-US" altLang="zh-TW" sz="6600" cap="none" dirty="0"/>
+              <a:t>Two questions to test </a:t>
+            </a:r>
+            <a:br>
+              <a:rPr lang="en-US" altLang="zh-TW" sz="6600" cap="none" dirty="0"/>
+            </a:br>
+            <a:r>
+              <a:rPr lang="en-US" altLang="zh-TW" sz="6600" cap="none" dirty="0"/>
+              <a:t>the key learning</a:t>
+            </a:r>
+            <a:endParaRPr lang="zh-TW" altLang="en-US" sz="6600" cap="none" dirty="0"/>
+          </a:p>
+        </p:txBody>
+      </p:sp>
+      <p:sp>
+        <p:nvSpPr>
+          <p:cNvPr id="3" name="文字版面配置區 2">
+            <a:extLst>
+              <a:ext uri="{FF2B5EF4-FFF2-40B4-BE49-F238E27FC236}">
+                <a16:creationId xmlns:a16="http://schemas.microsoft.com/office/drawing/2014/main" id="{934DD60A-F50C-63A0-1E3D-0595B64B285A}"/>
+              </a:ext>
+            </a:extLst>
+          </p:cNvPr>
+          <p:cNvSpPr>
+            <a:spLocks noGrp="1"/>
+          </p:cNvSpPr>
+          <p:nvPr>
+            <p:ph type="body" idx="1"/>
+          </p:nvPr>
+        </p:nvSpPr>
+        <p:spPr/>
+        <p:txBody>
           <a:bodyPr/>
           <a:lstStyle/>
           <a:p>
-            <a:r>
-              <a:rPr lang="en-US" altLang="zh-TW" dirty="0"/>
-              <a:t>The python code they provide is too old</a:t>
-            </a:r>
-            <a:endParaRPr lang="zh-TW" altLang="en-US" dirty="0"/>
-          </a:p>
-        </p:txBody>
-      </p:sp>
-      <p:pic>
-        <p:nvPicPr>
-          <p:cNvPr id="9" name="圖片 8">
-            <a:extLst>
-              <a:ext uri="{FF2B5EF4-FFF2-40B4-BE49-F238E27FC236}">
-                <a16:creationId xmlns:a16="http://schemas.microsoft.com/office/drawing/2014/main" id="{21474D63-C460-A72C-E24F-D2CF05978FA6}"/>
-              </a:ext>
-            </a:extLst>
-          </p:cNvPr>
-          <p:cNvPicPr>
-            <a:picLocks noChangeAspect="1"/>
-          </p:cNvPicPr>
-          <p:nvPr/>
-        </p:nvPicPr>
-        <p:blipFill>
-          <a:blip r:embed="rId2"/>
-          <a:stretch>
-            <a:fillRect/>
-          </a:stretch>
-        </p:blipFill>
-        <p:spPr>
-          <a:xfrm>
-            <a:off x="1331015" y="1806014"/>
-            <a:ext cx="3673482" cy="365686"/>
-          </a:xfrm>
-          <a:prstGeom prst="rect">
-            <a:avLst/>
-          </a:prstGeom>
-        </p:spPr>
-      </p:pic>
-      <p:pic>
-        <p:nvPicPr>
-          <p:cNvPr id="10" name="內容版面配置區 9">
-            <a:extLst>
-              <a:ext uri="{FF2B5EF4-FFF2-40B4-BE49-F238E27FC236}">
-                <a16:creationId xmlns:a16="http://schemas.microsoft.com/office/drawing/2014/main" id="{F3C8C5FE-18A1-9186-D4C2-0CD80301D99E}"/>
-              </a:ext>
-            </a:extLst>
-          </p:cNvPr>
-          <p:cNvPicPr>
-            <a:picLocks noGrp="1" noChangeAspect="1"/>
-          </p:cNvPicPr>
-          <p:nvPr>
-            <p:ph sz="half" idx="2"/>
-          </p:nvPr>
-        </p:nvPicPr>
-        <p:blipFill>
-          <a:blip r:embed="rId3"/>
-          <a:stretch>
-            <a:fillRect/>
-          </a:stretch>
-        </p:blipFill>
-        <p:spPr>
-          <a:xfrm>
-            <a:off x="1371600" y="2263187"/>
-            <a:ext cx="7265794" cy="1485899"/>
-          </a:xfrm>
-          <a:prstGeom prst="rect">
-            <a:avLst/>
-          </a:prstGeom>
-        </p:spPr>
-      </p:pic>
-      <p:pic>
-        <p:nvPicPr>
-          <p:cNvPr id="11" name="圖片 10">
-            <a:extLst>
-              <a:ext uri="{FF2B5EF4-FFF2-40B4-BE49-F238E27FC236}">
-                <a16:creationId xmlns:a16="http://schemas.microsoft.com/office/drawing/2014/main" id="{BD1F9C49-0047-A0AE-7926-4908F2057C0E}"/>
-              </a:ext>
-            </a:extLst>
-          </p:cNvPr>
-          <p:cNvPicPr>
-            <a:picLocks noChangeAspect="1"/>
-          </p:cNvPicPr>
-          <p:nvPr/>
-        </p:nvPicPr>
-        <p:blipFill>
-          <a:blip r:embed="rId4"/>
-          <a:stretch>
-            <a:fillRect/>
-          </a:stretch>
-        </p:blipFill>
-        <p:spPr>
-          <a:xfrm>
-            <a:off x="1371601" y="4947194"/>
-            <a:ext cx="3076113" cy="373528"/>
-          </a:xfrm>
-          <a:prstGeom prst="rect">
-            <a:avLst/>
-          </a:prstGeom>
-        </p:spPr>
-      </p:pic>
-      <p:pic>
-        <p:nvPicPr>
-          <p:cNvPr id="12" name="內容版面配置區 11">
-            <a:extLst>
-              <a:ext uri="{FF2B5EF4-FFF2-40B4-BE49-F238E27FC236}">
-                <a16:creationId xmlns:a16="http://schemas.microsoft.com/office/drawing/2014/main" id="{6F8CF819-1E2A-96C2-3D63-4F61E8A89A88}"/>
-              </a:ext>
-            </a:extLst>
-          </p:cNvPr>
-          <p:cNvPicPr>
-            <a:picLocks noGrp="1" noChangeAspect="1"/>
-          </p:cNvPicPr>
-          <p:nvPr>
-            <p:ph sz="quarter" idx="4"/>
-          </p:nvPr>
-        </p:nvPicPr>
-        <p:blipFill>
-          <a:blip r:embed="rId5"/>
-          <a:stretch>
-            <a:fillRect/>
-          </a:stretch>
-        </p:blipFill>
-        <p:spPr>
-          <a:xfrm>
-            <a:off x="1398557" y="5320721"/>
-            <a:ext cx="7081613" cy="1195303"/>
-          </a:xfrm>
-          <a:prstGeom prst="rect">
-            <a:avLst/>
-          </a:prstGeom>
-        </p:spPr>
-      </p:pic>
-      <p:sp>
-        <p:nvSpPr>
-          <p:cNvPr id="13" name="箭號: 向下 12">
-            <a:extLst>
-              <a:ext uri="{FF2B5EF4-FFF2-40B4-BE49-F238E27FC236}">
-                <a16:creationId xmlns:a16="http://schemas.microsoft.com/office/drawing/2014/main" id="{BE576188-369E-D4DD-B965-29F923BB9AEF}"/>
-              </a:ext>
-            </a:extLst>
-          </p:cNvPr>
-          <p:cNvSpPr/>
-          <p:nvPr/>
-        </p:nvSpPr>
-        <p:spPr>
-          <a:xfrm>
-            <a:off x="4447714" y="3950563"/>
-            <a:ext cx="701335" cy="825623"/>
-          </a:xfrm>
-          <a:prstGeom prst="downArrow">
-            <a:avLst/>
-          </a:prstGeom>
-        </p:spPr>
-        <p:style>
-          <a:lnRef idx="2">
-            <a:schemeClr val="accent1">
-              <a:shade val="50000"/>
-            </a:schemeClr>
-          </a:lnRef>
-          <a:fillRef idx="1">
-            <a:schemeClr val="accent1"/>
-          </a:fillRef>
-          <a:effectRef idx="0">
-            <a:schemeClr val="accent1"/>
-          </a:effectRef>
-          <a:fontRef idx="minor">
-            <a:schemeClr val="lt1"/>
-          </a:fontRef>
-        </p:style>
-        <p:txBody>
-          <a:bodyPr rtlCol="0" anchor="ctr"/>
-          <a:lstStyle/>
-          <a:p>
-            <a:pPr algn="ctr"/>
             <a:endParaRPr lang="zh-TW" altLang="en-US"/>
           </a:p>
         </p:txBody>
@@ -16564,7 +16168,7 @@
     </p:spTree>
     <p:extLst>
       <p:ext uri="{BB962C8B-B14F-4D97-AF65-F5344CB8AC3E}">
-        <p14:creationId xmlns:p14="http://schemas.microsoft.com/office/powerpoint/2010/main" val="61773487"/>
+        <p14:creationId xmlns:p14="http://schemas.microsoft.com/office/powerpoint/2010/main" val="4263244729"/>
       </p:ext>
     </p:extLst>
   </p:cSld>
@@ -16596,99 +16200,6 @@
           <p:cNvPr id="2" name="標題 1">
             <a:extLst>
               <a:ext uri="{FF2B5EF4-FFF2-40B4-BE49-F238E27FC236}">
-                <a16:creationId xmlns:a16="http://schemas.microsoft.com/office/drawing/2014/main" id="{714F7A52-9BE8-1D16-950A-A892742053A1}"/>
-              </a:ext>
-            </a:extLst>
-          </p:cNvPr>
-          <p:cNvSpPr>
-            <a:spLocks noGrp="1"/>
-          </p:cNvSpPr>
-          <p:nvPr>
-            <p:ph type="title"/>
-          </p:nvPr>
-        </p:nvSpPr>
-        <p:spPr/>
-        <p:txBody>
-          <a:bodyPr>
-            <a:normAutofit/>
-          </a:bodyPr>
-          <a:lstStyle/>
-          <a:p>
-            <a:r>
-              <a:rPr lang="en-US" altLang="zh-TW" sz="6600" cap="none" dirty="0"/>
-              <a:t>Two questions to test </a:t>
-            </a:r>
-            <a:br>
-              <a:rPr lang="en-US" altLang="zh-TW" sz="6600" cap="none" dirty="0"/>
-            </a:br>
-            <a:r>
-              <a:rPr lang="en-US" altLang="zh-TW" sz="6600" cap="none" dirty="0"/>
-              <a:t>the key learning</a:t>
-            </a:r>
-            <a:endParaRPr lang="zh-TW" altLang="en-US" sz="6600" cap="none" dirty="0"/>
-          </a:p>
-        </p:txBody>
-      </p:sp>
-      <p:sp>
-        <p:nvSpPr>
-          <p:cNvPr id="3" name="文字版面配置區 2">
-            <a:extLst>
-              <a:ext uri="{FF2B5EF4-FFF2-40B4-BE49-F238E27FC236}">
-                <a16:creationId xmlns:a16="http://schemas.microsoft.com/office/drawing/2014/main" id="{934DD60A-F50C-63A0-1E3D-0595B64B285A}"/>
-              </a:ext>
-            </a:extLst>
-          </p:cNvPr>
-          <p:cNvSpPr>
-            <a:spLocks noGrp="1"/>
-          </p:cNvSpPr>
-          <p:nvPr>
-            <p:ph type="body" idx="1"/>
-          </p:nvPr>
-        </p:nvSpPr>
-        <p:spPr/>
-        <p:txBody>
-          <a:bodyPr/>
-          <a:lstStyle/>
-          <a:p>
-            <a:endParaRPr lang="zh-TW" altLang="en-US"/>
-          </a:p>
-        </p:txBody>
-      </p:sp>
-    </p:spTree>
-    <p:extLst>
-      <p:ext uri="{BB962C8B-B14F-4D97-AF65-F5344CB8AC3E}">
-        <p14:creationId xmlns:p14="http://schemas.microsoft.com/office/powerpoint/2010/main" val="4263244729"/>
-      </p:ext>
-    </p:extLst>
-  </p:cSld>
-  <p:clrMapOvr>
-    <a:masterClrMapping/>
-  </p:clrMapOvr>
-</p:sld>
-</file>
-
-<file path=ppt/slides/slide47.xml><?xml version="1.0" encoding="utf-8"?>
-<p:sld xmlns:a="http://schemas.openxmlformats.org/drawingml/2006/main" xmlns:r="http://schemas.openxmlformats.org/officeDocument/2006/relationships" xmlns:p="http://schemas.openxmlformats.org/presentationml/2006/main">
-  <p:cSld>
-    <p:spTree>
-      <p:nvGrpSpPr>
-        <p:cNvPr id="1" name=""/>
-        <p:cNvGrpSpPr/>
-        <p:nvPr/>
-      </p:nvGrpSpPr>
-      <p:grpSpPr>
-        <a:xfrm>
-          <a:off x="0" y="0"/>
-          <a:ext cx="0" cy="0"/>
-          <a:chOff x="0" y="0"/>
-          <a:chExt cx="0" cy="0"/>
-        </a:xfrm>
-      </p:grpSpPr>
-      <p:sp>
-        <p:nvSpPr>
-          <p:cNvPr id="2" name="標題 1">
-            <a:extLst>
-              <a:ext uri="{FF2B5EF4-FFF2-40B4-BE49-F238E27FC236}">
                 <a16:creationId xmlns:a16="http://schemas.microsoft.com/office/drawing/2014/main" id="{5CE0B0CB-9B2F-72D7-CC01-9598B2EC0210}"/>
               </a:ext>
             </a:extLst>
@@ -16771,7 +16282,7 @@
 </p:sld>
 </file>
 
-<file path=ppt/slides/slide48.xml><?xml version="1.0" encoding="utf-8"?>
+<file path=ppt/slides/slide47.xml><?xml version="1.0" encoding="utf-8"?>
 <p:sld xmlns:a="http://schemas.openxmlformats.org/drawingml/2006/main" xmlns:r="http://schemas.openxmlformats.org/officeDocument/2006/relationships" xmlns:p="http://schemas.openxmlformats.org/presentationml/2006/main">
   <p:cSld>
     <p:spTree>
